--- a/Subnetting-2.pptx
+++ b/Subnetting-2.pptx
@@ -16,38 +16,39 @@
     <p:sldId id="721" r:id="rId10"/>
     <p:sldId id="739" r:id="rId11"/>
     <p:sldId id="740" r:id="rId12"/>
-    <p:sldId id="707" r:id="rId13"/>
-    <p:sldId id="708" r:id="rId14"/>
-    <p:sldId id="715" r:id="rId15"/>
-    <p:sldId id="716" r:id="rId16"/>
-    <p:sldId id="709" r:id="rId17"/>
-    <p:sldId id="803" r:id="rId18"/>
-    <p:sldId id="690" r:id="rId19"/>
-    <p:sldId id="691" r:id="rId20"/>
-    <p:sldId id="692" r:id="rId21"/>
-    <p:sldId id="749" r:id="rId22"/>
-    <p:sldId id="615" r:id="rId23"/>
-    <p:sldId id="616" r:id="rId24"/>
-    <p:sldId id="617" r:id="rId25"/>
-    <p:sldId id="821" r:id="rId26"/>
-    <p:sldId id="750" r:id="rId27"/>
-    <p:sldId id="822" r:id="rId28"/>
-    <p:sldId id="820" r:id="rId29"/>
-    <p:sldId id="693" r:id="rId30"/>
-    <p:sldId id="694" r:id="rId31"/>
-    <p:sldId id="695" r:id="rId32"/>
-    <p:sldId id="696" r:id="rId33"/>
-    <p:sldId id="697" r:id="rId34"/>
-    <p:sldId id="698" r:id="rId35"/>
-    <p:sldId id="699" r:id="rId36"/>
-    <p:sldId id="700" r:id="rId37"/>
-    <p:sldId id="702" r:id="rId38"/>
-    <p:sldId id="703" r:id="rId39"/>
-    <p:sldId id="704" r:id="rId40"/>
-    <p:sldId id="819" r:id="rId41"/>
-    <p:sldId id="705" r:id="rId42"/>
-    <p:sldId id="706" r:id="rId43"/>
-    <p:sldId id="810" r:id="rId44"/>
+    <p:sldId id="823" r:id="rId13"/>
+    <p:sldId id="707" r:id="rId14"/>
+    <p:sldId id="708" r:id="rId15"/>
+    <p:sldId id="715" r:id="rId16"/>
+    <p:sldId id="716" r:id="rId17"/>
+    <p:sldId id="709" r:id="rId18"/>
+    <p:sldId id="803" r:id="rId19"/>
+    <p:sldId id="690" r:id="rId20"/>
+    <p:sldId id="691" r:id="rId21"/>
+    <p:sldId id="692" r:id="rId22"/>
+    <p:sldId id="749" r:id="rId23"/>
+    <p:sldId id="615" r:id="rId24"/>
+    <p:sldId id="616" r:id="rId25"/>
+    <p:sldId id="617" r:id="rId26"/>
+    <p:sldId id="821" r:id="rId27"/>
+    <p:sldId id="750" r:id="rId28"/>
+    <p:sldId id="822" r:id="rId29"/>
+    <p:sldId id="820" r:id="rId30"/>
+    <p:sldId id="693" r:id="rId31"/>
+    <p:sldId id="694" r:id="rId32"/>
+    <p:sldId id="695" r:id="rId33"/>
+    <p:sldId id="696" r:id="rId34"/>
+    <p:sldId id="697" r:id="rId35"/>
+    <p:sldId id="698" r:id="rId36"/>
+    <p:sldId id="699" r:id="rId37"/>
+    <p:sldId id="700" r:id="rId38"/>
+    <p:sldId id="702" r:id="rId39"/>
+    <p:sldId id="703" r:id="rId40"/>
+    <p:sldId id="704" r:id="rId41"/>
+    <p:sldId id="819" r:id="rId42"/>
+    <p:sldId id="705" r:id="rId43"/>
+    <p:sldId id="706" r:id="rId44"/>
+    <p:sldId id="810" r:id="rId45"/>
   </p:sldIdLst>
   <p:sldSz cx="12192000" cy="6858000"/>
   <p:notesSz cx="6858000" cy="9144000"/>
@@ -146,6 +147,11 @@
       </a:defRPr>
     </a:lvl9pPr>
   </p:defaultTextStyle>
+  <p:extLst>
+    <p:ext uri="{EFAFB233-063F-42B5-8137-9DF3F51BA10A}">
+      <p15:sldGuideLst xmlns:p15="http://schemas.microsoft.com/office/powerpoint/2012/main"/>
+    </p:ext>
+  </p:extLst>
 </p:presentation>
 </file>
 
@@ -298,7 +304,7 @@
           <a:p>
             <a:fld id="{64972EEB-DF1F-4F28-8ECE-E19DF15583CB}" type="datetimeFigureOut">
               <a:rPr lang="en-IN" smtClean="0"/>
-              <a:t>24-04-2023</a:t>
+              <a:t>02-08-2023</a:t>
             </a:fld>
             <a:endParaRPr lang="en-IN"/>
           </a:p>
@@ -498,7 +504,7 @@
           <a:p>
             <a:fld id="{64972EEB-DF1F-4F28-8ECE-E19DF15583CB}" type="datetimeFigureOut">
               <a:rPr lang="en-IN" smtClean="0"/>
-              <a:t>24-04-2023</a:t>
+              <a:t>02-08-2023</a:t>
             </a:fld>
             <a:endParaRPr lang="en-IN"/>
           </a:p>
@@ -708,7 +714,7 @@
           <a:p>
             <a:fld id="{64972EEB-DF1F-4F28-8ECE-E19DF15583CB}" type="datetimeFigureOut">
               <a:rPr lang="en-IN" smtClean="0"/>
-              <a:t>24-04-2023</a:t>
+              <a:t>02-08-2023</a:t>
             </a:fld>
             <a:endParaRPr lang="en-IN"/>
           </a:p>
@@ -908,7 +914,7 @@
           <a:p>
             <a:fld id="{64972EEB-DF1F-4F28-8ECE-E19DF15583CB}" type="datetimeFigureOut">
               <a:rPr lang="en-IN" smtClean="0"/>
-              <a:t>24-04-2023</a:t>
+              <a:t>02-08-2023</a:t>
             </a:fld>
             <a:endParaRPr lang="en-IN"/>
           </a:p>
@@ -1184,7 +1190,7 @@
           <a:p>
             <a:fld id="{64972EEB-DF1F-4F28-8ECE-E19DF15583CB}" type="datetimeFigureOut">
               <a:rPr lang="en-IN" smtClean="0"/>
-              <a:t>24-04-2023</a:t>
+              <a:t>02-08-2023</a:t>
             </a:fld>
             <a:endParaRPr lang="en-IN"/>
           </a:p>
@@ -1452,7 +1458,7 @@
           <a:p>
             <a:fld id="{64972EEB-DF1F-4F28-8ECE-E19DF15583CB}" type="datetimeFigureOut">
               <a:rPr lang="en-IN" smtClean="0"/>
-              <a:t>24-04-2023</a:t>
+              <a:t>02-08-2023</a:t>
             </a:fld>
             <a:endParaRPr lang="en-IN"/>
           </a:p>
@@ -1867,7 +1873,7 @@
           <a:p>
             <a:fld id="{64972EEB-DF1F-4F28-8ECE-E19DF15583CB}" type="datetimeFigureOut">
               <a:rPr lang="en-IN" smtClean="0"/>
-              <a:t>24-04-2023</a:t>
+              <a:t>02-08-2023</a:t>
             </a:fld>
             <a:endParaRPr lang="en-IN"/>
           </a:p>
@@ -2009,7 +2015,7 @@
           <a:p>
             <a:fld id="{64972EEB-DF1F-4F28-8ECE-E19DF15583CB}" type="datetimeFigureOut">
               <a:rPr lang="en-IN" smtClean="0"/>
-              <a:t>24-04-2023</a:t>
+              <a:t>02-08-2023</a:t>
             </a:fld>
             <a:endParaRPr lang="en-IN"/>
           </a:p>
@@ -2122,7 +2128,7 @@
           <a:p>
             <a:fld id="{64972EEB-DF1F-4F28-8ECE-E19DF15583CB}" type="datetimeFigureOut">
               <a:rPr lang="en-IN" smtClean="0"/>
-              <a:t>24-04-2023</a:t>
+              <a:t>02-08-2023</a:t>
             </a:fld>
             <a:endParaRPr lang="en-IN"/>
           </a:p>
@@ -2435,7 +2441,7 @@
           <a:p>
             <a:fld id="{64972EEB-DF1F-4F28-8ECE-E19DF15583CB}" type="datetimeFigureOut">
               <a:rPr lang="en-IN" smtClean="0"/>
-              <a:t>24-04-2023</a:t>
+              <a:t>02-08-2023</a:t>
             </a:fld>
             <a:endParaRPr lang="en-IN"/>
           </a:p>
@@ -2724,7 +2730,7 @@
           <a:p>
             <a:fld id="{64972EEB-DF1F-4F28-8ECE-E19DF15583CB}" type="datetimeFigureOut">
               <a:rPr lang="en-IN" smtClean="0"/>
-              <a:t>24-04-2023</a:t>
+              <a:t>02-08-2023</a:t>
             </a:fld>
             <a:endParaRPr lang="en-IN"/>
           </a:p>
@@ -2967,7 +2973,7 @@
           <a:p>
             <a:fld id="{64972EEB-DF1F-4F28-8ECE-E19DF15583CB}" type="datetimeFigureOut">
               <a:rPr lang="en-IN" smtClean="0"/>
-              <a:t>24-04-2023</a:t>
+              <a:t>02-08-2023</a:t>
             </a:fld>
             <a:endParaRPr lang="en-IN"/>
           </a:p>
@@ -3600,9 +3606,16 @@
             <p:ph type="title"/>
           </p:nvPr>
         </p:nvSpPr>
-        <p:spPr/>
-        <p:txBody>
-          <a:bodyPr/>
+        <p:spPr>
+          <a:xfrm>
+            <a:off x="838200" y="365125"/>
+            <a:ext cx="10515600" cy="577267"/>
+          </a:xfrm>
+        </p:spPr>
+        <p:txBody>
+          <a:bodyPr>
+            <a:normAutofit fontScale="90000"/>
+          </a:bodyPr>
           <a:lstStyle/>
           <a:p>
             <a:r>
@@ -3628,10 +3641,15 @@
             <p:ph idx="1"/>
           </p:nvPr>
         </p:nvSpPr>
-        <p:spPr/>
+        <p:spPr>
+          <a:xfrm>
+            <a:off x="838200" y="1035698"/>
+            <a:ext cx="10515600" cy="5141265"/>
+          </a:xfrm>
+        </p:spPr>
         <p:txBody>
           <a:bodyPr>
-            <a:normAutofit fontScale="25000" lnSpcReduction="20000"/>
+            <a:normAutofit fontScale="47500" lnSpcReduction="20000"/>
           </a:bodyPr>
           <a:lstStyle/>
           <a:p>
@@ -3747,109 +3765,6 @@
               <a:rPr lang="en-US" dirty="0"/>
               <a:t>There are 6 subnets.</a:t>
             </a:r>
-          </a:p>
-          <a:p>
-            <a:r>
-              <a:rPr lang="en-US" dirty="0"/>
-              <a:t>3 bits are reserved for the subnet id.</a:t>
-            </a:r>
-          </a:p>
-          <a:p>
-            <a:r>
-              <a:rPr lang="en-US" dirty="0"/>
-              <a:t>Subnet ids will be:</a:t>
-            </a:r>
-          </a:p>
-          <a:p>
-            <a:r>
-              <a:rPr lang="en-US" dirty="0"/>
-              <a:t>First subnet id: 000</a:t>
-            </a:r>
-          </a:p>
-          <a:p>
-            <a:r>
-              <a:rPr lang="en-US" dirty="0"/>
-              <a:t>Second subnet id: 001</a:t>
-            </a:r>
-          </a:p>
-          <a:p>
-            <a:r>
-              <a:rPr lang="en-US" dirty="0"/>
-              <a:t>Third subnet id: 010</a:t>
-            </a:r>
-          </a:p>
-          <a:p>
-            <a:r>
-              <a:rPr lang="en-US" dirty="0"/>
-              <a:t>...</a:t>
-            </a:r>
-          </a:p>
-          <a:p>
-            <a:r>
-              <a:rPr lang="en-US" dirty="0" err="1"/>
-              <a:t>Eigthth</a:t>
-            </a:r>
-            <a:r>
-              <a:rPr lang="en-US" dirty="0"/>
-              <a:t> subnet id: 111</a:t>
-            </a:r>
-          </a:p>
-          <a:p>
-            <a:endParaRPr lang="en-US" dirty="0"/>
-          </a:p>
-          <a:p>
-            <a:r>
-              <a:rPr lang="en-US" dirty="0"/>
-              <a:t>From above, the first subnet id is 000.</a:t>
-            </a:r>
-          </a:p>
-          <a:p>
-            <a:r>
-              <a:rPr lang="en-US" dirty="0"/>
-              <a:t>Within this first subnet, the first possible address is 00000</a:t>
-            </a:r>
-          </a:p>
-          <a:p>
-            <a:r>
-              <a:rPr lang="en-US" dirty="0"/>
-              <a:t>However, the first address is any network or in any subnet is reserved as the network address.</a:t>
-            </a:r>
-          </a:p>
-          <a:p>
-            <a:r>
-              <a:rPr lang="en-US" dirty="0"/>
-              <a:t>Thus, the first host address will be 00001.</a:t>
-            </a:r>
-          </a:p>
-          <a:p>
-            <a:endParaRPr lang="en-US" dirty="0"/>
-          </a:p>
-          <a:p>
-            <a:r>
-              <a:rPr lang="en-US" dirty="0"/>
-              <a:t>Thus, the full address for the first host in the first subnet will be 00000001 in binary, or 1 in decimal.</a:t>
-            </a:r>
-          </a:p>
-          <a:p>
-            <a:endParaRPr lang="en-US" dirty="0"/>
-          </a:p>
-          <a:p>
-            <a:r>
-              <a:rPr lang="en-US" dirty="0"/>
-              <a:t>And its complete IP address will be 198.34.5.1/27.</a:t>
-            </a:r>
-          </a:p>
-          <a:p>
-            <a:endParaRPr lang="en-US" dirty="0"/>
-          </a:p>
-          <a:p>
-            <a:r>
-              <a:rPr lang="en-US" dirty="0"/>
-              <a:t>(5) How many hosts are possible in the third subnet? What will be the network address for the third subnet, what will be the first host address for the third subnet, and what will be the last host address for the third subnet?</a:t>
-            </a:r>
-          </a:p>
-          <a:p>
-            <a:endParaRPr lang="en-IN" dirty="0"/>
           </a:p>
         </p:txBody>
       </p:sp>
@@ -3888,6 +3803,207 @@
           <p:cNvPr id="2" name="Title 1">
             <a:extLst>
               <a:ext uri="{FF2B5EF4-FFF2-40B4-BE49-F238E27FC236}">
+                <a16:creationId xmlns:a16="http://schemas.microsoft.com/office/drawing/2014/main" id="{BE5576BF-E500-27E1-8CFE-F3FA58148B0D}"/>
+              </a:ext>
+            </a:extLst>
+          </p:cNvPr>
+          <p:cNvSpPr>
+            <a:spLocks noGrp="1"/>
+          </p:cNvSpPr>
+          <p:nvPr>
+            <p:ph type="title"/>
+          </p:nvPr>
+        </p:nvSpPr>
+        <p:spPr>
+          <a:xfrm>
+            <a:off x="838200" y="365125"/>
+            <a:ext cx="10515600" cy="577267"/>
+          </a:xfrm>
+        </p:spPr>
+        <p:txBody>
+          <a:bodyPr>
+            <a:normAutofit fontScale="90000"/>
+          </a:bodyPr>
+          <a:lstStyle/>
+          <a:p>
+            <a:r>
+              <a:rPr lang="en-IN" dirty="0"/>
+              <a:t>Solution</a:t>
+            </a:r>
+          </a:p>
+        </p:txBody>
+      </p:sp>
+      <p:sp>
+        <p:nvSpPr>
+          <p:cNvPr id="3" name="Content Placeholder 2">
+            <a:extLst>
+              <a:ext uri="{FF2B5EF4-FFF2-40B4-BE49-F238E27FC236}">
+                <a16:creationId xmlns:a16="http://schemas.microsoft.com/office/drawing/2014/main" id="{ACB9C872-5E40-4928-1CD2-26006D657FB2}"/>
+              </a:ext>
+            </a:extLst>
+          </p:cNvPr>
+          <p:cNvSpPr>
+            <a:spLocks noGrp="1"/>
+          </p:cNvSpPr>
+          <p:nvPr>
+            <p:ph idx="1"/>
+          </p:nvPr>
+        </p:nvSpPr>
+        <p:spPr>
+          <a:xfrm>
+            <a:off x="838200" y="1035698"/>
+            <a:ext cx="10515600" cy="5141265"/>
+          </a:xfrm>
+        </p:spPr>
+        <p:txBody>
+          <a:bodyPr>
+            <a:normAutofit fontScale="47500" lnSpcReduction="20000"/>
+          </a:bodyPr>
+          <a:lstStyle/>
+          <a:p>
+            <a:r>
+              <a:rPr lang="en-US"/>
+              <a:t>3 </a:t>
+            </a:r>
+            <a:r>
+              <a:rPr lang="en-US" dirty="0"/>
+              <a:t>bits are reserved for the subnet id.</a:t>
+            </a:r>
+          </a:p>
+          <a:p>
+            <a:r>
+              <a:rPr lang="en-US" dirty="0"/>
+              <a:t>Subnet ids will be:</a:t>
+            </a:r>
+          </a:p>
+          <a:p>
+            <a:r>
+              <a:rPr lang="en-US" dirty="0"/>
+              <a:t>First subnet id: 000</a:t>
+            </a:r>
+          </a:p>
+          <a:p>
+            <a:r>
+              <a:rPr lang="en-US" dirty="0"/>
+              <a:t>Second subnet id: 001</a:t>
+            </a:r>
+          </a:p>
+          <a:p>
+            <a:r>
+              <a:rPr lang="en-US" dirty="0"/>
+              <a:t>Third subnet id: 010</a:t>
+            </a:r>
+          </a:p>
+          <a:p>
+            <a:r>
+              <a:rPr lang="en-US" dirty="0"/>
+              <a:t>...</a:t>
+            </a:r>
+          </a:p>
+          <a:p>
+            <a:r>
+              <a:rPr lang="en-US" dirty="0" err="1"/>
+              <a:t>Eigthth</a:t>
+            </a:r>
+            <a:r>
+              <a:rPr lang="en-US" dirty="0"/>
+              <a:t> subnet id: 111</a:t>
+            </a:r>
+          </a:p>
+          <a:p>
+            <a:endParaRPr lang="en-US" dirty="0"/>
+          </a:p>
+          <a:p>
+            <a:r>
+              <a:rPr lang="en-US" dirty="0"/>
+              <a:t>From above, the first subnet id is 000.</a:t>
+            </a:r>
+          </a:p>
+          <a:p>
+            <a:r>
+              <a:rPr lang="en-US" dirty="0"/>
+              <a:t>Within this first subnet, the first possible address is 00000</a:t>
+            </a:r>
+          </a:p>
+          <a:p>
+            <a:r>
+              <a:rPr lang="en-US" dirty="0"/>
+              <a:t>However, the first address is any network or in any subnet is reserved as the network address.</a:t>
+            </a:r>
+          </a:p>
+          <a:p>
+            <a:r>
+              <a:rPr lang="en-US" dirty="0"/>
+              <a:t>Thus, the first host address will be 00001.</a:t>
+            </a:r>
+          </a:p>
+          <a:p>
+            <a:endParaRPr lang="en-US" dirty="0"/>
+          </a:p>
+          <a:p>
+            <a:r>
+              <a:rPr lang="en-US" dirty="0"/>
+              <a:t>Thus, the full address for the first host in the first subnet will be 00000001 in binary, or 1 in decimal.</a:t>
+            </a:r>
+          </a:p>
+          <a:p>
+            <a:endParaRPr lang="en-US" dirty="0"/>
+          </a:p>
+          <a:p>
+            <a:r>
+              <a:rPr lang="en-US" dirty="0"/>
+              <a:t>And its complete IP address will be 198.34.5.1/27.</a:t>
+            </a:r>
+          </a:p>
+          <a:p>
+            <a:endParaRPr lang="en-US" dirty="0"/>
+          </a:p>
+          <a:p>
+            <a:r>
+              <a:rPr lang="en-US" dirty="0"/>
+              <a:t>(5) How many hosts are possible in the third subnet? What will be the network address for the third subnet, what will be the first host address for the third subnet, and what will be the last host address for the third subnet?</a:t>
+            </a:r>
+          </a:p>
+          <a:p>
+            <a:endParaRPr lang="en-IN" dirty="0"/>
+          </a:p>
+        </p:txBody>
+      </p:sp>
+    </p:spTree>
+    <p:extLst>
+      <p:ext uri="{BB962C8B-B14F-4D97-AF65-F5344CB8AC3E}">
+        <p14:creationId xmlns:p14="http://schemas.microsoft.com/office/powerpoint/2010/main" val="1714487589"/>
+      </p:ext>
+    </p:extLst>
+  </p:cSld>
+  <p:clrMapOvr>
+    <a:masterClrMapping/>
+  </p:clrMapOvr>
+</p:sld>
+</file>
+
+<file path=ppt/slides/slide13.xml><?xml version="1.0" encoding="utf-8"?>
+<p:sld xmlns:a="http://schemas.openxmlformats.org/drawingml/2006/main" xmlns:r="http://schemas.openxmlformats.org/officeDocument/2006/relationships" xmlns:p="http://schemas.openxmlformats.org/presentationml/2006/main">
+  <p:cSld>
+    <p:spTree>
+      <p:nvGrpSpPr>
+        <p:cNvPr id="1" name=""/>
+        <p:cNvGrpSpPr/>
+        <p:nvPr/>
+      </p:nvGrpSpPr>
+      <p:grpSpPr>
+        <a:xfrm>
+          <a:off x="0" y="0"/>
+          <a:ext cx="0" cy="0"/>
+          <a:chOff x="0" y="0"/>
+          <a:chExt cx="0" cy="0"/>
+        </a:xfrm>
+      </p:grpSpPr>
+      <p:sp>
+        <p:nvSpPr>
+          <p:cNvPr id="2" name="Title 1">
+            <a:extLst>
+              <a:ext uri="{FF2B5EF4-FFF2-40B4-BE49-F238E27FC236}">
                 <a16:creationId xmlns:a16="http://schemas.microsoft.com/office/drawing/2014/main" id="{E69B31B6-849A-5A45-BF82-6C1E462049A0}"/>
               </a:ext>
             </a:extLst>
@@ -3959,7 +4075,7 @@
 </p:sld>
 </file>
 
-<file path=ppt/slides/slide13.xml><?xml version="1.0" encoding="utf-8"?>
+<file path=ppt/slides/slide14.xml><?xml version="1.0" encoding="utf-8"?>
 <p:sld xmlns:a="http://schemas.openxmlformats.org/drawingml/2006/main" xmlns:r="http://schemas.openxmlformats.org/officeDocument/2006/relationships" xmlns:p="http://schemas.openxmlformats.org/presentationml/2006/main">
   <p:cSld>
     <p:spTree>
@@ -4102,115 +4218,6 @@
 </p:sld>
 </file>
 
-<file path=ppt/slides/slide14.xml><?xml version="1.0" encoding="utf-8"?>
-<p:sld xmlns:a="http://schemas.openxmlformats.org/drawingml/2006/main" xmlns:r="http://schemas.openxmlformats.org/officeDocument/2006/relationships" xmlns:p="http://schemas.openxmlformats.org/presentationml/2006/main">
-  <p:cSld>
-    <p:spTree>
-      <p:nvGrpSpPr>
-        <p:cNvPr id="1" name=""/>
-        <p:cNvGrpSpPr/>
-        <p:nvPr/>
-      </p:nvGrpSpPr>
-      <p:grpSpPr>
-        <a:xfrm>
-          <a:off x="0" y="0"/>
-          <a:ext cx="0" cy="0"/>
-          <a:chOff x="0" y="0"/>
-          <a:chExt cx="0" cy="0"/>
-        </a:xfrm>
-      </p:grpSpPr>
-      <p:sp>
-        <p:nvSpPr>
-          <p:cNvPr id="2" name="Title 1">
-            <a:extLst>
-              <a:ext uri="{FF2B5EF4-FFF2-40B4-BE49-F238E27FC236}">
-                <a16:creationId xmlns:a16="http://schemas.microsoft.com/office/drawing/2014/main" id="{2FEDB9EA-C1EB-4D9F-A732-33BD5609A20F}"/>
-              </a:ext>
-            </a:extLst>
-          </p:cNvPr>
-          <p:cNvSpPr>
-            <a:spLocks noGrp="1"/>
-          </p:cNvSpPr>
-          <p:nvPr>
-            <p:ph type="title"/>
-          </p:nvPr>
-        </p:nvSpPr>
-        <p:spPr/>
-        <p:txBody>
-          <a:bodyPr/>
-          <a:lstStyle/>
-          <a:p>
-            <a:r>
-              <a:rPr lang="en-IN" dirty="0"/>
-              <a:t>Solution - Subnets and Hosts</a:t>
-            </a:r>
-          </a:p>
-        </p:txBody>
-      </p:sp>
-      <p:sp>
-        <p:nvSpPr>
-          <p:cNvPr id="3" name="Content Placeholder 2">
-            <a:extLst>
-              <a:ext uri="{FF2B5EF4-FFF2-40B4-BE49-F238E27FC236}">
-                <a16:creationId xmlns:a16="http://schemas.microsoft.com/office/drawing/2014/main" id="{9F604959-084C-D6AC-A749-31FF30096542}"/>
-              </a:ext>
-            </a:extLst>
-          </p:cNvPr>
-          <p:cNvSpPr>
-            <a:spLocks noGrp="1"/>
-          </p:cNvSpPr>
-          <p:nvPr>
-            <p:ph idx="1"/>
-          </p:nvPr>
-        </p:nvSpPr>
-        <p:spPr/>
-        <p:txBody>
-          <a:bodyPr/>
-          <a:lstStyle/>
-          <a:p>
-            <a:r>
-              <a:rPr lang="en-IN" dirty="0"/>
-              <a:t>Our given address is </a:t>
-            </a:r>
-            <a:r>
-              <a:rPr lang="en-US" dirty="0"/>
-              <a:t>198.22.45.173/26</a:t>
-            </a:r>
-          </a:p>
-          <a:p>
-            <a:r>
-              <a:rPr lang="en-US" dirty="0"/>
-              <a:t>Since two bits are reserved for the subnet id, 4 subnets 00, 01, 10, and 11 are possible</a:t>
-            </a:r>
-          </a:p>
-          <a:p>
-            <a:r>
-              <a:rPr lang="en-US" dirty="0"/>
-              <a:t>We need to think “Our IP address will fall in which of these four subnets?”</a:t>
-            </a:r>
-          </a:p>
-          <a:p>
-            <a:r>
-              <a:rPr lang="en-US" dirty="0"/>
-              <a:t>To answer this, let us calculate the address range for each of the four subnets</a:t>
-            </a:r>
-            <a:endParaRPr lang="en-IN" dirty="0"/>
-          </a:p>
-        </p:txBody>
-      </p:sp>
-    </p:spTree>
-    <p:extLst>
-      <p:ext uri="{BB962C8B-B14F-4D97-AF65-F5344CB8AC3E}">
-        <p14:creationId xmlns:p14="http://schemas.microsoft.com/office/powerpoint/2010/main" val="4104142004"/>
-      </p:ext>
-    </p:extLst>
-  </p:cSld>
-  <p:clrMapOvr>
-    <a:masterClrMapping/>
-  </p:clrMapOvr>
-</p:sld>
-</file>
-
 <file path=ppt/slides/slide15.xml><?xml version="1.0" encoding="utf-8"?>
 <p:sld xmlns:a="http://schemas.openxmlformats.org/drawingml/2006/main" xmlns:r="http://schemas.openxmlformats.org/officeDocument/2006/relationships" xmlns:p="http://schemas.openxmlformats.org/presentationml/2006/main">
   <p:cSld>
@@ -4287,6 +4294,115 @@
             </a:r>
           </a:p>
           <a:p>
+            <a:r>
+              <a:rPr lang="en-US" dirty="0"/>
+              <a:t>Since two bits are reserved for the subnet id, 4 subnets 00, 01, 10, and 11 are possible</a:t>
+            </a:r>
+          </a:p>
+          <a:p>
+            <a:r>
+              <a:rPr lang="en-US" dirty="0"/>
+              <a:t>We need to think “Our IP address will fall in which of these four subnets?”</a:t>
+            </a:r>
+          </a:p>
+          <a:p>
+            <a:r>
+              <a:rPr lang="en-US" dirty="0"/>
+              <a:t>To answer this, let us calculate the address range for each of the four subnets</a:t>
+            </a:r>
+            <a:endParaRPr lang="en-IN" dirty="0"/>
+          </a:p>
+        </p:txBody>
+      </p:sp>
+    </p:spTree>
+    <p:extLst>
+      <p:ext uri="{BB962C8B-B14F-4D97-AF65-F5344CB8AC3E}">
+        <p14:creationId xmlns:p14="http://schemas.microsoft.com/office/powerpoint/2010/main" val="4104142004"/>
+      </p:ext>
+    </p:extLst>
+  </p:cSld>
+  <p:clrMapOvr>
+    <a:masterClrMapping/>
+  </p:clrMapOvr>
+</p:sld>
+</file>
+
+<file path=ppt/slides/slide16.xml><?xml version="1.0" encoding="utf-8"?>
+<p:sld xmlns:a="http://schemas.openxmlformats.org/drawingml/2006/main" xmlns:r="http://schemas.openxmlformats.org/officeDocument/2006/relationships" xmlns:p="http://schemas.openxmlformats.org/presentationml/2006/main">
+  <p:cSld>
+    <p:spTree>
+      <p:nvGrpSpPr>
+        <p:cNvPr id="1" name=""/>
+        <p:cNvGrpSpPr/>
+        <p:nvPr/>
+      </p:nvGrpSpPr>
+      <p:grpSpPr>
+        <a:xfrm>
+          <a:off x="0" y="0"/>
+          <a:ext cx="0" cy="0"/>
+          <a:chOff x="0" y="0"/>
+          <a:chExt cx="0" cy="0"/>
+        </a:xfrm>
+      </p:grpSpPr>
+      <p:sp>
+        <p:nvSpPr>
+          <p:cNvPr id="2" name="Title 1">
+            <a:extLst>
+              <a:ext uri="{FF2B5EF4-FFF2-40B4-BE49-F238E27FC236}">
+                <a16:creationId xmlns:a16="http://schemas.microsoft.com/office/drawing/2014/main" id="{2FEDB9EA-C1EB-4D9F-A732-33BD5609A20F}"/>
+              </a:ext>
+            </a:extLst>
+          </p:cNvPr>
+          <p:cNvSpPr>
+            <a:spLocks noGrp="1"/>
+          </p:cNvSpPr>
+          <p:nvPr>
+            <p:ph type="title"/>
+          </p:nvPr>
+        </p:nvSpPr>
+        <p:spPr/>
+        <p:txBody>
+          <a:bodyPr/>
+          <a:lstStyle/>
+          <a:p>
+            <a:r>
+              <a:rPr lang="en-IN" dirty="0"/>
+              <a:t>Solution - Subnets and Hosts</a:t>
+            </a:r>
+          </a:p>
+        </p:txBody>
+      </p:sp>
+      <p:sp>
+        <p:nvSpPr>
+          <p:cNvPr id="3" name="Content Placeholder 2">
+            <a:extLst>
+              <a:ext uri="{FF2B5EF4-FFF2-40B4-BE49-F238E27FC236}">
+                <a16:creationId xmlns:a16="http://schemas.microsoft.com/office/drawing/2014/main" id="{9F604959-084C-D6AC-A749-31FF30096542}"/>
+              </a:ext>
+            </a:extLst>
+          </p:cNvPr>
+          <p:cNvSpPr>
+            <a:spLocks noGrp="1"/>
+          </p:cNvSpPr>
+          <p:nvPr>
+            <p:ph idx="1"/>
+          </p:nvPr>
+        </p:nvSpPr>
+        <p:spPr/>
+        <p:txBody>
+          <a:bodyPr/>
+          <a:lstStyle/>
+          <a:p>
+            <a:r>
+              <a:rPr lang="en-IN" dirty="0"/>
+              <a:t>Our given address is </a:t>
+            </a:r>
+            <a:r>
+              <a:rPr lang="en-US" dirty="0"/>
+              <a:t>198.22.45.173/26</a:t>
+            </a:r>
+          </a:p>
+          <a:p>
             <a:endParaRPr lang="en-US" dirty="0"/>
           </a:p>
           <a:p>
@@ -4306,10 +4422,16 @@
           <p:cNvGraphicFramePr>
             <a:graphicFrameLocks noGrp="1"/>
           </p:cNvGraphicFramePr>
-          <p:nvPr/>
+          <p:nvPr>
+            <p:extLst>
+              <p:ext uri="{D42A27DB-BD31-4B8C-83A1-F6EECF244321}">
+                <p14:modId xmlns:p14="http://schemas.microsoft.com/office/powerpoint/2010/main" val="2511086505"/>
+              </p:ext>
+            </p:extLst>
+          </p:nvPr>
         </p:nvGraphicFramePr>
         <p:xfrm>
-          <a:off x="1919538" y="1684020"/>
+          <a:off x="1387693" y="2617081"/>
           <a:ext cx="8352925" cy="3489960"/>
         </p:xfrm>
         <a:graphic>
@@ -5016,7 +5138,7 @@
 </p:sld>
 </file>
 
-<file path=ppt/slides/slide16.xml><?xml version="1.0" encoding="utf-8"?>
+<file path=ppt/slides/slide17.xml><?xml version="1.0" encoding="utf-8"?>
 <p:sld xmlns:a="http://schemas.openxmlformats.org/drawingml/2006/main" xmlns:r="http://schemas.openxmlformats.org/officeDocument/2006/relationships" xmlns:p="http://schemas.openxmlformats.org/presentationml/2006/main">
   <p:cSld>
     <p:spTree>
@@ -5140,7 +5262,7 @@
 </p:sld>
 </file>
 
-<file path=ppt/slides/slide17.xml><?xml version="1.0" encoding="utf-8"?>
+<file path=ppt/slides/slide18.xml><?xml version="1.0" encoding="utf-8"?>
 <p:sld xmlns:a="http://schemas.openxmlformats.org/drawingml/2006/main" xmlns:r="http://schemas.openxmlformats.org/officeDocument/2006/relationships" xmlns:p="http://schemas.openxmlformats.org/presentationml/2006/main">
   <p:cSld>
     <p:spTree>
@@ -5270,89 +5392,6 @@
 </p:sld>
 </file>
 
-<file path=ppt/slides/slide18.xml><?xml version="1.0" encoding="utf-8"?>
-<p:sld xmlns:a="http://schemas.openxmlformats.org/drawingml/2006/main" xmlns:r="http://schemas.openxmlformats.org/officeDocument/2006/relationships" xmlns:p="http://schemas.openxmlformats.org/presentationml/2006/main">
-  <p:cSld>
-    <p:spTree>
-      <p:nvGrpSpPr>
-        <p:cNvPr id="1" name=""/>
-        <p:cNvGrpSpPr/>
-        <p:nvPr/>
-      </p:nvGrpSpPr>
-      <p:grpSpPr>
-        <a:xfrm>
-          <a:off x="0" y="0"/>
-          <a:ext cx="0" cy="0"/>
-          <a:chOff x="0" y="0"/>
-          <a:chExt cx="0" cy="0"/>
-        </a:xfrm>
-      </p:grpSpPr>
-      <p:sp>
-        <p:nvSpPr>
-          <p:cNvPr id="4" name="Title 3">
-            <a:extLst>
-              <a:ext uri="{FF2B5EF4-FFF2-40B4-BE49-F238E27FC236}">
-                <a16:creationId xmlns:a16="http://schemas.microsoft.com/office/drawing/2014/main" id="{8307A196-C53B-790B-7DE3-861D1A6F1FEB}"/>
-              </a:ext>
-            </a:extLst>
-          </p:cNvPr>
-          <p:cNvSpPr>
-            <a:spLocks noGrp="1"/>
-          </p:cNvSpPr>
-          <p:nvPr>
-            <p:ph type="title"/>
-          </p:nvPr>
-        </p:nvSpPr>
-        <p:spPr/>
-        <p:txBody>
-          <a:bodyPr/>
-          <a:lstStyle/>
-          <a:p>
-            <a:r>
-              <a:rPr lang="en-IN" dirty="0"/>
-              <a:t>Variable Length Subnet Mask (VLSM)</a:t>
-            </a:r>
-          </a:p>
-        </p:txBody>
-      </p:sp>
-      <p:sp>
-        <p:nvSpPr>
-          <p:cNvPr id="5" name="Text Placeholder 4">
-            <a:extLst>
-              <a:ext uri="{FF2B5EF4-FFF2-40B4-BE49-F238E27FC236}">
-                <a16:creationId xmlns:a16="http://schemas.microsoft.com/office/drawing/2014/main" id="{66746637-7EDD-0405-82B0-7330E5F1F6D0}"/>
-              </a:ext>
-            </a:extLst>
-          </p:cNvPr>
-          <p:cNvSpPr>
-            <a:spLocks noGrp="1"/>
-          </p:cNvSpPr>
-          <p:nvPr>
-            <p:ph type="body" idx="1"/>
-          </p:nvPr>
-        </p:nvSpPr>
-        <p:spPr/>
-        <p:txBody>
-          <a:bodyPr/>
-          <a:lstStyle/>
-          <a:p>
-            <a:endParaRPr lang="en-IN"/>
-          </a:p>
-        </p:txBody>
-      </p:sp>
-    </p:spTree>
-    <p:extLst>
-      <p:ext uri="{BB962C8B-B14F-4D97-AF65-F5344CB8AC3E}">
-        <p14:creationId xmlns:p14="http://schemas.microsoft.com/office/powerpoint/2010/main" val="2823804787"/>
-      </p:ext>
-    </p:extLst>
-  </p:cSld>
-  <p:clrMapOvr>
-    <a:masterClrMapping/>
-  </p:clrMapOvr>
-</p:sld>
-</file>
-
 <file path=ppt/slides/slide19.xml><?xml version="1.0" encoding="utf-8"?>
 <p:sld xmlns:a="http://schemas.openxmlformats.org/drawingml/2006/main" xmlns:r="http://schemas.openxmlformats.org/officeDocument/2006/relationships" xmlns:p="http://schemas.openxmlformats.org/presentationml/2006/main">
   <p:cSld>
@@ -5372,10 +5411,10 @@
       </p:grpSpPr>
       <p:sp>
         <p:nvSpPr>
-          <p:cNvPr id="2" name="Title 1">
-            <a:extLst>
-              <a:ext uri="{FF2B5EF4-FFF2-40B4-BE49-F238E27FC236}">
-                <a16:creationId xmlns:a16="http://schemas.microsoft.com/office/drawing/2014/main" id="{67AB9476-47B9-0CEC-1CC9-896D74AB01BC}"/>
+          <p:cNvPr id="4" name="Title 3">
+            <a:extLst>
+              <a:ext uri="{FF2B5EF4-FFF2-40B4-BE49-F238E27FC236}">
+                <a16:creationId xmlns:a16="http://schemas.microsoft.com/office/drawing/2014/main" id="{8307A196-C53B-790B-7DE3-861D1A6F1FEB}"/>
               </a:ext>
             </a:extLst>
           </p:cNvPr>
@@ -5393,80 +5432,15 @@
           <a:p>
             <a:r>
               <a:rPr lang="en-IN" dirty="0"/>
-              <a:t>VLSM Concept</a:t>
-            </a:r>
-          </a:p>
-        </p:txBody>
-      </p:sp>
-      <p:sp>
-        <p:nvSpPr>
-          <p:cNvPr id="3" name="Content Placeholder 2">
-            <a:extLst>
-              <a:ext uri="{FF2B5EF4-FFF2-40B4-BE49-F238E27FC236}">
-                <a16:creationId xmlns:a16="http://schemas.microsoft.com/office/drawing/2014/main" id="{27AAE252-EEE4-56D3-915D-D53C42D00343}"/>
-              </a:ext>
-            </a:extLst>
-          </p:cNvPr>
-          <p:cNvSpPr>
-            <a:spLocks noGrp="1"/>
-          </p:cNvSpPr>
-          <p:nvPr>
-            <p:ph idx="1"/>
-          </p:nvPr>
-        </p:nvSpPr>
-        <p:spPr/>
-        <p:txBody>
-          <a:bodyPr>
-            <a:normAutofit/>
-          </a:bodyPr>
-          <a:lstStyle/>
-          <a:p>
-            <a:r>
-              <a:rPr lang="en-US" dirty="0"/>
-              <a:t>Early routing protocols only supported </a:t>
-            </a:r>
-            <a:r>
-              <a:rPr lang="en-US" b="1" dirty="0"/>
-              <a:t>Fixed Length Subnet Masking (FLSM) </a:t>
-            </a:r>
-            <a:r>
-              <a:rPr lang="en-US" dirty="0"/>
-              <a:t>where all subnets had to be the same size. </a:t>
-            </a:r>
-          </a:p>
-          <a:p>
-            <a:r>
-              <a:rPr lang="en-US" dirty="0"/>
-              <a:t>You couldn’t have a subnet with 14 hosts and another subnet with 64 hosts in the same network.</a:t>
-            </a:r>
-          </a:p>
-          <a:p>
-            <a:r>
-              <a:rPr lang="en-US" dirty="0"/>
-              <a:t>All modern routing protocols support </a:t>
-            </a:r>
-            <a:r>
-              <a:rPr lang="en-US" b="1" dirty="0"/>
-              <a:t>Variable Length Subnet Masking (VLSM)</a:t>
-            </a:r>
-            <a:r>
-              <a:rPr lang="en-US" dirty="0"/>
-              <a:t>.</a:t>
-            </a:r>
-          </a:p>
-          <a:p>
-            <a:r>
-              <a:rPr lang="en-US" dirty="0"/>
-              <a:t>This allows us to size subnets differently according to how many hosts they have.</a:t>
-            </a:r>
-            <a:endParaRPr lang="en-IN" dirty="0"/>
+              <a:t>Variable Length Subnet Mask (VLSM)</a:t>
+            </a:r>
           </a:p>
         </p:txBody>
       </p:sp>
     </p:spTree>
     <p:extLst>
       <p:ext uri="{BB962C8B-B14F-4D97-AF65-F5344CB8AC3E}">
-        <p14:creationId xmlns:p14="http://schemas.microsoft.com/office/powerpoint/2010/main" val="2318255042"/>
+        <p14:creationId xmlns:p14="http://schemas.microsoft.com/office/powerpoint/2010/main" val="2823804787"/>
       </p:ext>
     </p:extLst>
   </p:cSld>
@@ -5721,7 +5695,7 @@
           <a:p>
             <a:r>
               <a:rPr lang="en-IN" dirty="0"/>
-              <a:t>VLSM Considerations</a:t>
+              <a:t>VLSM Concept</a:t>
             </a:r>
           </a:p>
         </p:txBody>
@@ -5751,28 +5725,42 @@
           <a:p>
             <a:r>
               <a:rPr lang="en-US" dirty="0"/>
-              <a:t>How many locations do we have in the network?</a:t>
-            </a:r>
-          </a:p>
-          <a:p>
-            <a:r>
-              <a:rPr lang="en-US" dirty="0"/>
-              <a:t>How many hosts are in each location?</a:t>
-            </a:r>
-          </a:p>
-          <a:p>
-            <a:r>
-              <a:rPr lang="en-US" dirty="0"/>
-              <a:t>What are the IP addressing requirements for each location? (Should different departments or types of host be in different subnets?)</a:t>
-            </a:r>
-          </a:p>
-          <a:p>
-            <a:r>
-              <a:rPr lang="en-US" dirty="0"/>
-              <a:t>What size is appropriate for each subnet? (Don’t waste addresses, but leave room for growth.)</a:t>
-            </a:r>
-          </a:p>
-          <a:p>
+              <a:t>Early routing protocols only supported </a:t>
+            </a:r>
+            <a:r>
+              <a:rPr lang="en-US" b="1" dirty="0"/>
+              <a:t>Fixed Length Subnet Masking (FLSM) </a:t>
+            </a:r>
+            <a:r>
+              <a:rPr lang="en-US" dirty="0"/>
+              <a:t>where all subnets had to be the same size. </a:t>
+            </a:r>
+          </a:p>
+          <a:p>
+            <a:r>
+              <a:rPr lang="en-US" dirty="0"/>
+              <a:t>You couldn’t have a subnet with 14 hosts and another subnet with 64 hosts in the same network.</a:t>
+            </a:r>
+          </a:p>
+          <a:p>
+            <a:r>
+              <a:rPr lang="en-US" dirty="0"/>
+              <a:t>All modern routing protocols support </a:t>
+            </a:r>
+            <a:r>
+              <a:rPr lang="en-US" b="1" dirty="0"/>
+              <a:t>Variable Length Subnet Masking (VLSM)</a:t>
+            </a:r>
+            <a:r>
+              <a:rPr lang="en-US" dirty="0"/>
+              <a:t>.</a:t>
+            </a:r>
+          </a:p>
+          <a:p>
+            <a:r>
+              <a:rPr lang="en-US" dirty="0"/>
+              <a:t>This allows us to size subnets differently according to how many hosts they have.</a:t>
+            </a:r>
             <a:endParaRPr lang="en-IN" dirty="0"/>
           </a:p>
         </p:txBody>
@@ -5780,7 +5768,7 @@
     </p:spTree>
     <p:extLst>
       <p:ext uri="{BB962C8B-B14F-4D97-AF65-F5344CB8AC3E}">
-        <p14:creationId xmlns:p14="http://schemas.microsoft.com/office/powerpoint/2010/main" val="1254121758"/>
+        <p14:creationId xmlns:p14="http://schemas.microsoft.com/office/powerpoint/2010/main" val="2318255042"/>
       </p:ext>
     </p:extLst>
   </p:cSld>
@@ -5812,6 +5800,115 @@
           <p:cNvPr id="2" name="Title 1">
             <a:extLst>
               <a:ext uri="{FF2B5EF4-FFF2-40B4-BE49-F238E27FC236}">
+                <a16:creationId xmlns:a16="http://schemas.microsoft.com/office/drawing/2014/main" id="{67AB9476-47B9-0CEC-1CC9-896D74AB01BC}"/>
+              </a:ext>
+            </a:extLst>
+          </p:cNvPr>
+          <p:cNvSpPr>
+            <a:spLocks noGrp="1"/>
+          </p:cNvSpPr>
+          <p:nvPr>
+            <p:ph type="title"/>
+          </p:nvPr>
+        </p:nvSpPr>
+        <p:spPr/>
+        <p:txBody>
+          <a:bodyPr/>
+          <a:lstStyle/>
+          <a:p>
+            <a:r>
+              <a:rPr lang="en-IN" dirty="0"/>
+              <a:t>VLSM Considerations</a:t>
+            </a:r>
+          </a:p>
+        </p:txBody>
+      </p:sp>
+      <p:sp>
+        <p:nvSpPr>
+          <p:cNvPr id="3" name="Content Placeholder 2">
+            <a:extLst>
+              <a:ext uri="{FF2B5EF4-FFF2-40B4-BE49-F238E27FC236}">
+                <a16:creationId xmlns:a16="http://schemas.microsoft.com/office/drawing/2014/main" id="{27AAE252-EEE4-56D3-915D-D53C42D00343}"/>
+              </a:ext>
+            </a:extLst>
+          </p:cNvPr>
+          <p:cNvSpPr>
+            <a:spLocks noGrp="1"/>
+          </p:cNvSpPr>
+          <p:nvPr>
+            <p:ph idx="1"/>
+          </p:nvPr>
+        </p:nvSpPr>
+        <p:spPr/>
+        <p:txBody>
+          <a:bodyPr>
+            <a:normAutofit/>
+          </a:bodyPr>
+          <a:lstStyle/>
+          <a:p>
+            <a:r>
+              <a:rPr lang="en-US" dirty="0"/>
+              <a:t>How many locations do we have in the network?</a:t>
+            </a:r>
+          </a:p>
+          <a:p>
+            <a:r>
+              <a:rPr lang="en-US" dirty="0"/>
+              <a:t>How many hosts are in each location?</a:t>
+            </a:r>
+          </a:p>
+          <a:p>
+            <a:r>
+              <a:rPr lang="en-US" dirty="0"/>
+              <a:t>What are the IP addressing requirements for each location? (Should different departments or types of host be in different subnets?)</a:t>
+            </a:r>
+          </a:p>
+          <a:p>
+            <a:r>
+              <a:rPr lang="en-US" dirty="0"/>
+              <a:t>What size is appropriate for each subnet? (Don’t waste addresses, but leave room for growth.)</a:t>
+            </a:r>
+          </a:p>
+          <a:p>
+            <a:endParaRPr lang="en-IN" dirty="0"/>
+          </a:p>
+        </p:txBody>
+      </p:sp>
+    </p:spTree>
+    <p:extLst>
+      <p:ext uri="{BB962C8B-B14F-4D97-AF65-F5344CB8AC3E}">
+        <p14:creationId xmlns:p14="http://schemas.microsoft.com/office/powerpoint/2010/main" val="1254121758"/>
+      </p:ext>
+    </p:extLst>
+  </p:cSld>
+  <p:clrMapOvr>
+    <a:masterClrMapping/>
+  </p:clrMapOvr>
+</p:sld>
+</file>
+
+<file path=ppt/slides/slide22.xml><?xml version="1.0" encoding="utf-8"?>
+<p:sld xmlns:a="http://schemas.openxmlformats.org/drawingml/2006/main" xmlns:r="http://schemas.openxmlformats.org/officeDocument/2006/relationships" xmlns:p="http://schemas.openxmlformats.org/presentationml/2006/main">
+  <p:cSld>
+    <p:spTree>
+      <p:nvGrpSpPr>
+        <p:cNvPr id="1" name=""/>
+        <p:cNvGrpSpPr/>
+        <p:nvPr/>
+      </p:nvGrpSpPr>
+      <p:grpSpPr>
+        <a:xfrm>
+          <a:off x="0" y="0"/>
+          <a:ext cx="0" cy="0"/>
+          <a:chOff x="0" y="0"/>
+          <a:chExt cx="0" cy="0"/>
+        </a:xfrm>
+      </p:grpSpPr>
+      <p:sp>
+        <p:nvSpPr>
+          <p:cNvPr id="2" name="Title 1">
+            <a:extLst>
+              <a:ext uri="{FF2B5EF4-FFF2-40B4-BE49-F238E27FC236}">
                 <a16:creationId xmlns:a16="http://schemas.microsoft.com/office/drawing/2014/main" id="{4712ADCA-84C2-14B1-1BAC-6B1EC159C717}"/>
               </a:ext>
             </a:extLst>
@@ -5889,7 +5986,7 @@
 </p:sld>
 </file>
 
-<file path=ppt/slides/slide22.xml><?xml version="1.0" encoding="utf-8"?>
+<file path=ppt/slides/slide23.xml><?xml version="1.0" encoding="utf-8"?>
 <p:sld xmlns:a="http://schemas.openxmlformats.org/drawingml/2006/main" xmlns:r="http://schemas.openxmlformats.org/officeDocument/2006/relationships" xmlns:p="http://schemas.openxmlformats.org/presentationml/2006/main">
   <p:cSld>
     <p:spTree>
@@ -6027,7 +6124,7 @@
 </p:sld>
 </file>
 
-<file path=ppt/slides/slide23.xml><?xml version="1.0" encoding="utf-8"?>
+<file path=ppt/slides/slide24.xml><?xml version="1.0" encoding="utf-8"?>
 <p:sld xmlns:a="http://schemas.openxmlformats.org/drawingml/2006/main" xmlns:r="http://schemas.openxmlformats.org/officeDocument/2006/relationships" xmlns:p="http://schemas.openxmlformats.org/presentationml/2006/main">
   <p:cSld>
     <p:spTree>
@@ -6175,117 +6272,6 @@
 </p:sld>
 </file>
 
-<file path=ppt/slides/slide24.xml><?xml version="1.0" encoding="utf-8"?>
-<p:sld xmlns:a="http://schemas.openxmlformats.org/drawingml/2006/main" xmlns:r="http://schemas.openxmlformats.org/officeDocument/2006/relationships" xmlns:p="http://schemas.openxmlformats.org/presentationml/2006/main">
-  <p:cSld>
-    <p:spTree>
-      <p:nvGrpSpPr>
-        <p:cNvPr id="1" name=""/>
-        <p:cNvGrpSpPr/>
-        <p:nvPr/>
-      </p:nvGrpSpPr>
-      <p:grpSpPr>
-        <a:xfrm>
-          <a:off x="0" y="0"/>
-          <a:ext cx="0" cy="0"/>
-          <a:chOff x="0" y="0"/>
-          <a:chExt cx="0" cy="0"/>
-        </a:xfrm>
-      </p:grpSpPr>
-      <p:sp>
-        <p:nvSpPr>
-          <p:cNvPr id="2" name="Title 1">
-            <a:extLst>
-              <a:ext uri="{FF2B5EF4-FFF2-40B4-BE49-F238E27FC236}">
-                <a16:creationId xmlns:a16="http://schemas.microsoft.com/office/drawing/2014/main" id="{6A09A485-F73E-DB5D-B41C-337375F3045B}"/>
-              </a:ext>
-            </a:extLst>
-          </p:cNvPr>
-          <p:cNvSpPr>
-            <a:spLocks noGrp="1"/>
-          </p:cNvSpPr>
-          <p:nvPr>
-            <p:ph type="title"/>
-          </p:nvPr>
-        </p:nvSpPr>
-        <p:spPr/>
-        <p:txBody>
-          <a:bodyPr/>
-          <a:lstStyle/>
-          <a:p>
-            <a:r>
-              <a:rPr lang="en-IN" dirty="0"/>
-              <a:t>Variable Length Subnet Mask (VLSM)</a:t>
-            </a:r>
-          </a:p>
-        </p:txBody>
-      </p:sp>
-      <p:sp>
-        <p:nvSpPr>
-          <p:cNvPr id="3" name="Content Placeholder 2">
-            <a:extLst>
-              <a:ext uri="{FF2B5EF4-FFF2-40B4-BE49-F238E27FC236}">
-                <a16:creationId xmlns:a16="http://schemas.microsoft.com/office/drawing/2014/main" id="{F226ED37-637D-5129-442F-E417DCAEA877}"/>
-              </a:ext>
-            </a:extLst>
-          </p:cNvPr>
-          <p:cNvSpPr>
-            <a:spLocks noGrp="1"/>
-          </p:cNvSpPr>
-          <p:nvPr>
-            <p:ph idx="1"/>
-          </p:nvPr>
-        </p:nvSpPr>
-        <p:spPr>
-          <a:xfrm>
-            <a:off x="838200" y="1866721"/>
-            <a:ext cx="10515600" cy="4351338"/>
-          </a:xfrm>
-        </p:spPr>
-        <p:txBody>
-          <a:bodyPr>
-            <a:normAutofit/>
-          </a:bodyPr>
-          <a:lstStyle/>
-          <a:p>
-            <a:r>
-              <a:rPr lang="en-US" sz="3200" dirty="0"/>
-              <a:t>Step 3: The highest IP available has to be allocated to highest requirement, so the sales and purchase department gets 192.168.1.0/25, which has 126 valid addresses that can easily be available for 120 hosts. The subnet mask used is 255.255.255.128.</a:t>
-            </a:r>
-          </a:p>
-          <a:p>
-            <a:r>
-              <a:rPr lang="en-US" sz="3200" dirty="0"/>
-              <a:t>Network address: 192.168.1.0</a:t>
-            </a:r>
-          </a:p>
-          <a:p>
-            <a:r>
-              <a:rPr lang="en-US" sz="3200" dirty="0"/>
-              <a:t>Host range: 192.168.1.1 – 192.168.1.126</a:t>
-            </a:r>
-          </a:p>
-          <a:p>
-            <a:r>
-              <a:rPr lang="en-US" sz="3200" dirty="0"/>
-              <a:t>Broadcast address: 192.168.1.127</a:t>
-            </a:r>
-          </a:p>
-        </p:txBody>
-      </p:sp>
-    </p:spTree>
-    <p:extLst>
-      <p:ext uri="{BB962C8B-B14F-4D97-AF65-F5344CB8AC3E}">
-        <p14:creationId xmlns:p14="http://schemas.microsoft.com/office/powerpoint/2010/main" val="2323063129"/>
-      </p:ext>
-    </p:extLst>
-  </p:cSld>
-  <p:clrMapOvr>
-    <a:masterClrMapping/>
-  </p:clrMapOvr>
-</p:sld>
-</file>
-
 <file path=ppt/slides/slide25.xml><?xml version="1.0" encoding="utf-8"?>
 <p:sld xmlns:a="http://schemas.openxmlformats.org/drawingml/2006/main" xmlns:r="http://schemas.openxmlformats.org/officeDocument/2006/relationships" xmlns:p="http://schemas.openxmlformats.org/presentationml/2006/main">
   <p:cSld>
@@ -6361,25 +6347,25 @@
           <a:p>
             <a:r>
               <a:rPr lang="en-US" sz="3200" dirty="0"/>
-              <a:t>Step 4: The next segment (Development) requires an IP to handle 50 hosts. We need /26 for 62 hosts. The subnet mask used is 255.255.255.192.</a:t>
+              <a:t>Step 3: The highest IP available has to be allocated to highest requirement, so the sales and purchase department gets 192.168.1.0/25, which has 126 valid addresses that can easily be available for 120 hosts. The subnet mask used is 255.255.255.128.</a:t>
             </a:r>
           </a:p>
           <a:p>
             <a:r>
               <a:rPr lang="en-US" sz="3200" dirty="0"/>
-              <a:t>Network address: 192.168.1.128</a:t>
+              <a:t>Network address: 192.168.1.0</a:t>
             </a:r>
           </a:p>
           <a:p>
             <a:r>
               <a:rPr lang="en-US" sz="3200" dirty="0"/>
-              <a:t>Host range: 192.168.1.129 – 192.168.1.190</a:t>
+              <a:t>Host range: 192.168.1.1 – 192.168.1.126</a:t>
             </a:r>
           </a:p>
           <a:p>
             <a:r>
               <a:rPr lang="en-US" sz="3200" dirty="0"/>
-              <a:t>Broadcast address: 192.168.1.191</a:t>
+              <a:t>Broadcast address: 192.168.1.127</a:t>
             </a:r>
           </a:p>
         </p:txBody>
@@ -6387,7 +6373,7 @@
     </p:spTree>
     <p:extLst>
       <p:ext uri="{BB962C8B-B14F-4D97-AF65-F5344CB8AC3E}">
-        <p14:creationId xmlns:p14="http://schemas.microsoft.com/office/powerpoint/2010/main" val="1281465861"/>
+        <p14:creationId xmlns:p14="http://schemas.microsoft.com/office/powerpoint/2010/main" val="2323063129"/>
       </p:ext>
     </p:extLst>
   </p:cSld>
@@ -6458,7 +6444,12 @@
             <p:ph idx="1"/>
           </p:nvPr>
         </p:nvSpPr>
-        <p:spPr/>
+        <p:spPr>
+          <a:xfrm>
+            <a:off x="838200" y="1866721"/>
+            <a:ext cx="10515600" cy="4351338"/>
+          </a:xfrm>
+        </p:spPr>
         <p:txBody>
           <a:bodyPr>
             <a:normAutofit/>
@@ -6467,36 +6458,33 @@
           <a:p>
             <a:r>
               <a:rPr lang="en-US" sz="3200" dirty="0"/>
-              <a:t>Step 5: Accounts needs 26 hosts. We will need /27, as it has 30 valid hosts. The mask used is 255.255.255.224.</a:t>
+              <a:t>Step 4: The next segment (Development) requires an IP to handle 50 hosts. We need /26 for 62 hosts. The subnet mask used is 255.255.255.192.</a:t>
             </a:r>
           </a:p>
           <a:p>
             <a:r>
               <a:rPr lang="en-US" sz="3200" dirty="0"/>
-              <a:t>Network address: 192.168.1.192</a:t>
+              <a:t>Network address: 192.168.1.128</a:t>
             </a:r>
           </a:p>
           <a:p>
             <a:r>
               <a:rPr lang="en-US" sz="3200" dirty="0"/>
-              <a:t>Host range: 192.168.1.193 – 193.168.1.222</a:t>
+              <a:t>Host range: 192.168.1.129 – 192.168.1.190</a:t>
             </a:r>
           </a:p>
           <a:p>
             <a:r>
               <a:rPr lang="en-US" sz="3200" dirty="0"/>
-              <a:t>Broadcast address: 192.168.1.223</a:t>
-            </a:r>
-          </a:p>
-          <a:p>
-            <a:endParaRPr lang="en-IN" sz="3200" dirty="0"/>
+              <a:t>Broadcast address: 192.168.1.191</a:t>
+            </a:r>
           </a:p>
         </p:txBody>
       </p:sp>
     </p:spTree>
     <p:extLst>
       <p:ext uri="{BB962C8B-B14F-4D97-AF65-F5344CB8AC3E}">
-        <p14:creationId xmlns:p14="http://schemas.microsoft.com/office/powerpoint/2010/main" val="326447885"/>
+        <p14:creationId xmlns:p14="http://schemas.microsoft.com/office/powerpoint/2010/main" val="1281465861"/>
       </p:ext>
     </p:extLst>
   </p:cSld>
@@ -6576,26 +6564,28 @@
           <a:p>
             <a:r>
               <a:rPr lang="en-US" sz="3200" dirty="0"/>
-              <a:t>Step 6: The last segment (Management) requires 5 valid hosts IP, which  means /29. Subnet mask is 255.255.255.248</a:t>
+              <a:t>Step 5: Accounts needs 26 hosts. We will need /27, as it has 30 valid hosts. The mask used is 255.255.255.224.</a:t>
             </a:r>
           </a:p>
           <a:p>
             <a:r>
               <a:rPr lang="en-US" sz="3200" dirty="0"/>
-              <a:t>Network address: 192.168.1.224</a:t>
+              <a:t>Network address: 192.168.1.192</a:t>
             </a:r>
           </a:p>
           <a:p>
             <a:r>
               <a:rPr lang="en-US" sz="3200" dirty="0"/>
-              <a:t>Host range: 192.168.1.225 to 192.168.1.230</a:t>
+              <a:t>Host range: 192.168.1.193 – 193.168.1.222</a:t>
             </a:r>
           </a:p>
           <a:p>
             <a:r>
               <a:rPr lang="en-US" sz="3200" dirty="0"/>
-              <a:t>Broadcast address: 192.168.1.231 </a:t>
-            </a:r>
+              <a:t>Broadcast address: 192.168.1.223</a:t>
+            </a:r>
+          </a:p>
+          <a:p>
             <a:endParaRPr lang="en-IN" sz="3200" dirty="0"/>
           </a:p>
         </p:txBody>
@@ -6603,7 +6593,7 @@
     </p:spTree>
     <p:extLst>
       <p:ext uri="{BB962C8B-B14F-4D97-AF65-F5344CB8AC3E}">
-        <p14:creationId xmlns:p14="http://schemas.microsoft.com/office/powerpoint/2010/main" val="399584736"/>
+        <p14:creationId xmlns:p14="http://schemas.microsoft.com/office/powerpoint/2010/main" val="326447885"/>
       </p:ext>
     </p:extLst>
   </p:cSld>
@@ -6635,7 +6625,7 @@
           <p:cNvPr id="2" name="Title 1">
             <a:extLst>
               <a:ext uri="{FF2B5EF4-FFF2-40B4-BE49-F238E27FC236}">
-                <a16:creationId xmlns:a16="http://schemas.microsoft.com/office/drawing/2014/main" id="{773EA39B-9B6F-85C5-2222-7E2345B915A9}"/>
+                <a16:creationId xmlns:a16="http://schemas.microsoft.com/office/drawing/2014/main" id="{6A09A485-F73E-DB5D-B41C-337375F3045B}"/>
               </a:ext>
             </a:extLst>
           </p:cNvPr>
@@ -6653,7 +6643,7 @@
           <a:p>
             <a:r>
               <a:rPr lang="en-IN" dirty="0"/>
-              <a:t>Summary</a:t>
+              <a:t>Variable Length Subnet Mask (VLSM)</a:t>
             </a:r>
           </a:p>
         </p:txBody>
@@ -6663,7 +6653,7 @@
           <p:cNvPr id="3" name="Content Placeholder 2">
             <a:extLst>
               <a:ext uri="{FF2B5EF4-FFF2-40B4-BE49-F238E27FC236}">
-                <a16:creationId xmlns:a16="http://schemas.microsoft.com/office/drawing/2014/main" id="{F56DCE58-D3C0-0FD2-0229-B159235012A9}"/>
+                <a16:creationId xmlns:a16="http://schemas.microsoft.com/office/drawing/2014/main" id="{F226ED37-637D-5129-442F-E417DCAEA877}"/>
               </a:ext>
             </a:extLst>
           </p:cNvPr>
@@ -6676,47 +6666,41 @@
         </p:nvSpPr>
         <p:spPr/>
         <p:txBody>
-          <a:bodyPr/>
-          <a:lstStyle/>
-          <a:p>
-            <a:endParaRPr lang="en-IN"/>
-          </a:p>
-        </p:txBody>
-      </p:sp>
-      <p:pic>
-        <p:nvPicPr>
-          <p:cNvPr id="5" name="Picture 4">
-            <a:extLst>
-              <a:ext uri="{FF2B5EF4-FFF2-40B4-BE49-F238E27FC236}">
-                <a16:creationId xmlns:a16="http://schemas.microsoft.com/office/drawing/2014/main" id="{FC04174F-3FA2-3986-D4DD-30E654A7E10C}"/>
-              </a:ext>
-            </a:extLst>
-          </p:cNvPr>
-          <p:cNvPicPr>
-            <a:picLocks noChangeAspect="1"/>
-          </p:cNvPicPr>
-          <p:nvPr/>
-        </p:nvPicPr>
-        <p:blipFill>
-          <a:blip r:embed="rId2"/>
-          <a:stretch>
-            <a:fillRect/>
-          </a:stretch>
-        </p:blipFill>
-        <p:spPr>
-          <a:xfrm>
-            <a:off x="450606" y="2441470"/>
-            <a:ext cx="11528422" cy="1555177"/>
-          </a:xfrm>
-          <a:prstGeom prst="rect">
-            <a:avLst/>
-          </a:prstGeom>
-        </p:spPr>
-      </p:pic>
+          <a:bodyPr>
+            <a:normAutofit/>
+          </a:bodyPr>
+          <a:lstStyle/>
+          <a:p>
+            <a:r>
+              <a:rPr lang="en-US" sz="3200" dirty="0"/>
+              <a:t>Step 6: The last segment (Management) requires 5 valid hosts IP, which  means /29. Subnet mask is 255.255.255.248</a:t>
+            </a:r>
+          </a:p>
+          <a:p>
+            <a:r>
+              <a:rPr lang="en-US" sz="3200" dirty="0"/>
+              <a:t>Network address: 192.168.1.224</a:t>
+            </a:r>
+          </a:p>
+          <a:p>
+            <a:r>
+              <a:rPr lang="en-US" sz="3200" dirty="0"/>
+              <a:t>Host range: 192.168.1.225 to 192.168.1.230</a:t>
+            </a:r>
+          </a:p>
+          <a:p>
+            <a:r>
+              <a:rPr lang="en-US" sz="3200" dirty="0"/>
+              <a:t>Broadcast address: 192.168.1.231 </a:t>
+            </a:r>
+            <a:endParaRPr lang="en-IN" sz="3200" dirty="0"/>
+          </a:p>
+        </p:txBody>
+      </p:sp>
     </p:spTree>
     <p:extLst>
       <p:ext uri="{BB962C8B-B14F-4D97-AF65-F5344CB8AC3E}">
-        <p14:creationId xmlns:p14="http://schemas.microsoft.com/office/powerpoint/2010/main" val="2005812977"/>
+        <p14:creationId xmlns:p14="http://schemas.microsoft.com/office/powerpoint/2010/main" val="399584736"/>
       </p:ext>
     </p:extLst>
   </p:cSld>
@@ -6748,7 +6732,7 @@
           <p:cNvPr id="2" name="Title 1">
             <a:extLst>
               <a:ext uri="{FF2B5EF4-FFF2-40B4-BE49-F238E27FC236}">
-                <a16:creationId xmlns:a16="http://schemas.microsoft.com/office/drawing/2014/main" id="{67AB9476-47B9-0CEC-1CC9-896D74AB01BC}"/>
+                <a16:creationId xmlns:a16="http://schemas.microsoft.com/office/drawing/2014/main" id="{773EA39B-9B6F-85C5-2222-7E2345B915A9}"/>
               </a:ext>
             </a:extLst>
           </p:cNvPr>
@@ -6766,26 +6750,24 @@
           <a:p>
             <a:r>
               <a:rPr lang="en-IN" dirty="0"/>
-              <a:t>VLSM Example</a:t>
+              <a:t>Summary</a:t>
             </a:r>
           </a:p>
         </p:txBody>
       </p:sp>
       <p:pic>
         <p:nvPicPr>
-          <p:cNvPr id="5" name="Content Placeholder 4">
-            <a:extLst>
-              <a:ext uri="{FF2B5EF4-FFF2-40B4-BE49-F238E27FC236}">
-                <a16:creationId xmlns:a16="http://schemas.microsoft.com/office/drawing/2014/main" id="{73624183-28FA-19A5-8C1D-428E4B1659DB}"/>
+          <p:cNvPr id="5" name="Picture 4">
+            <a:extLst>
+              <a:ext uri="{FF2B5EF4-FFF2-40B4-BE49-F238E27FC236}">
+                <a16:creationId xmlns:a16="http://schemas.microsoft.com/office/drawing/2014/main" id="{FC04174F-3FA2-3986-D4DD-30E654A7E10C}"/>
               </a:ext>
             </a:extLst>
           </p:cNvPr>
           <p:cNvPicPr>
-            <a:picLocks noGrp="1" noChangeAspect="1"/>
+            <a:picLocks noChangeAspect="1"/>
           </p:cNvPicPr>
-          <p:nvPr>
-            <p:ph idx="1"/>
-          </p:nvPr>
+          <p:nvPr/>
         </p:nvPicPr>
         <p:blipFill>
           <a:blip r:embed="rId2"/>
@@ -6795,15 +6777,18 @@
         </p:blipFill>
         <p:spPr>
           <a:xfrm>
-            <a:off x="2063552" y="1881195"/>
-            <a:ext cx="7886700" cy="3095611"/>
+            <a:off x="450606" y="2441470"/>
+            <a:ext cx="11528422" cy="1555177"/>
           </a:xfrm>
+          <a:prstGeom prst="rect">
+            <a:avLst/>
+          </a:prstGeom>
         </p:spPr>
       </p:pic>
     </p:spTree>
     <p:extLst>
       <p:ext uri="{BB962C8B-B14F-4D97-AF65-F5344CB8AC3E}">
-        <p14:creationId xmlns:p14="http://schemas.microsoft.com/office/powerpoint/2010/main" val="3072631750"/>
+        <p14:creationId xmlns:p14="http://schemas.microsoft.com/office/powerpoint/2010/main" val="2005812977"/>
       </p:ext>
     </p:extLst>
   </p:cSld>
@@ -7076,58 +7061,44 @@
           <a:p>
             <a:r>
               <a:rPr lang="en-IN" dirty="0"/>
-              <a:t>VLSM Example – Design Steps</a:t>
-            </a:r>
-          </a:p>
-        </p:txBody>
-      </p:sp>
-      <p:sp>
-        <p:nvSpPr>
-          <p:cNvPr id="4" name="Content Placeholder 3">
-            <a:extLst>
-              <a:ext uri="{FF2B5EF4-FFF2-40B4-BE49-F238E27FC236}">
-                <a16:creationId xmlns:a16="http://schemas.microsoft.com/office/drawing/2014/main" id="{04DA95E5-B531-AC94-A342-5432054194B3}"/>
-              </a:ext>
-            </a:extLst>
-          </p:cNvPr>
-          <p:cNvSpPr>
-            <a:spLocks noGrp="1"/>
-          </p:cNvSpPr>
+              <a:t>VLSM Example</a:t>
+            </a:r>
+          </a:p>
+        </p:txBody>
+      </p:sp>
+      <p:pic>
+        <p:nvPicPr>
+          <p:cNvPr id="5" name="Content Placeholder 4">
+            <a:extLst>
+              <a:ext uri="{FF2B5EF4-FFF2-40B4-BE49-F238E27FC236}">
+                <a16:creationId xmlns:a16="http://schemas.microsoft.com/office/drawing/2014/main" id="{73624183-28FA-19A5-8C1D-428E4B1659DB}"/>
+              </a:ext>
+            </a:extLst>
+          </p:cNvPr>
+          <p:cNvPicPr>
+            <a:picLocks noGrp="1" noChangeAspect="1"/>
+          </p:cNvPicPr>
           <p:nvPr>
             <p:ph idx="1"/>
           </p:nvPr>
-        </p:nvSpPr>
-        <p:spPr/>
-        <p:txBody>
-          <a:bodyPr/>
-          <a:lstStyle/>
-          <a:p>
-            <a:r>
-              <a:rPr lang="en-US" dirty="0"/>
-              <a:t>Find the largest segment and allocate a suitable subnet size for it.</a:t>
-            </a:r>
-          </a:p>
-          <a:p>
-            <a:r>
-              <a:rPr lang="en-US" dirty="0"/>
-              <a:t>Allocate this subnet at the start of the address space.</a:t>
-            </a:r>
-          </a:p>
-          <a:p>
-            <a:r>
-              <a:rPr lang="en-US" dirty="0"/>
-              <a:t>Continue going down the list.</a:t>
-            </a:r>
-          </a:p>
-          <a:p>
-            <a:endParaRPr lang="en-IN" dirty="0"/>
-          </a:p>
-        </p:txBody>
-      </p:sp>
+        </p:nvPicPr>
+        <p:blipFill>
+          <a:blip r:embed="rId2"/>
+          <a:stretch>
+            <a:fillRect/>
+          </a:stretch>
+        </p:blipFill>
+        <p:spPr>
+          <a:xfrm>
+            <a:off x="2063552" y="1881195"/>
+            <a:ext cx="7886700" cy="3095611"/>
+          </a:xfrm>
+        </p:spPr>
+      </p:pic>
     </p:spTree>
     <p:extLst>
       <p:ext uri="{BB962C8B-B14F-4D97-AF65-F5344CB8AC3E}">
-        <p14:creationId xmlns:p14="http://schemas.microsoft.com/office/powerpoint/2010/main" val="2161432582"/>
+        <p14:creationId xmlns:p14="http://schemas.microsoft.com/office/powerpoint/2010/main" val="3072631750"/>
       </p:ext>
     </p:extLst>
   </p:cSld>
@@ -7200,6 +7171,107 @@
         </p:nvSpPr>
         <p:spPr/>
         <p:txBody>
+          <a:bodyPr/>
+          <a:lstStyle/>
+          <a:p>
+            <a:r>
+              <a:rPr lang="en-US" dirty="0"/>
+              <a:t>Find the largest segment and allocate a suitable subnet size for it.</a:t>
+            </a:r>
+          </a:p>
+          <a:p>
+            <a:r>
+              <a:rPr lang="en-US" dirty="0"/>
+              <a:t>Allocate this subnet at the start of the address space.</a:t>
+            </a:r>
+          </a:p>
+          <a:p>
+            <a:r>
+              <a:rPr lang="en-US" dirty="0"/>
+              <a:t>Continue going down the list.</a:t>
+            </a:r>
+          </a:p>
+          <a:p>
+            <a:endParaRPr lang="en-IN" dirty="0"/>
+          </a:p>
+        </p:txBody>
+      </p:sp>
+    </p:spTree>
+    <p:extLst>
+      <p:ext uri="{BB962C8B-B14F-4D97-AF65-F5344CB8AC3E}">
+        <p14:creationId xmlns:p14="http://schemas.microsoft.com/office/powerpoint/2010/main" val="2161432582"/>
+      </p:ext>
+    </p:extLst>
+  </p:cSld>
+  <p:clrMapOvr>
+    <a:masterClrMapping/>
+  </p:clrMapOvr>
+</p:sld>
+</file>
+
+<file path=ppt/slides/slide32.xml><?xml version="1.0" encoding="utf-8"?>
+<p:sld xmlns:a="http://schemas.openxmlformats.org/drawingml/2006/main" xmlns:r="http://schemas.openxmlformats.org/officeDocument/2006/relationships" xmlns:p="http://schemas.openxmlformats.org/presentationml/2006/main">
+  <p:cSld>
+    <p:spTree>
+      <p:nvGrpSpPr>
+        <p:cNvPr id="1" name=""/>
+        <p:cNvGrpSpPr/>
+        <p:nvPr/>
+      </p:nvGrpSpPr>
+      <p:grpSpPr>
+        <a:xfrm>
+          <a:off x="0" y="0"/>
+          <a:ext cx="0" cy="0"/>
+          <a:chOff x="0" y="0"/>
+          <a:chExt cx="0" cy="0"/>
+        </a:xfrm>
+      </p:grpSpPr>
+      <p:sp>
+        <p:nvSpPr>
+          <p:cNvPr id="2" name="Title 1">
+            <a:extLst>
+              <a:ext uri="{FF2B5EF4-FFF2-40B4-BE49-F238E27FC236}">
+                <a16:creationId xmlns:a16="http://schemas.microsoft.com/office/drawing/2014/main" id="{67AB9476-47B9-0CEC-1CC9-896D74AB01BC}"/>
+              </a:ext>
+            </a:extLst>
+          </p:cNvPr>
+          <p:cNvSpPr>
+            <a:spLocks noGrp="1"/>
+          </p:cNvSpPr>
+          <p:nvPr>
+            <p:ph type="title"/>
+          </p:nvPr>
+        </p:nvSpPr>
+        <p:spPr/>
+        <p:txBody>
+          <a:bodyPr/>
+          <a:lstStyle/>
+          <a:p>
+            <a:r>
+              <a:rPr lang="en-IN" dirty="0"/>
+              <a:t>VLSM Example – Design Steps</a:t>
+            </a:r>
+          </a:p>
+        </p:txBody>
+      </p:sp>
+      <p:sp>
+        <p:nvSpPr>
+          <p:cNvPr id="4" name="Content Placeholder 3">
+            <a:extLst>
+              <a:ext uri="{FF2B5EF4-FFF2-40B4-BE49-F238E27FC236}">
+                <a16:creationId xmlns:a16="http://schemas.microsoft.com/office/drawing/2014/main" id="{04DA95E5-B531-AC94-A342-5432054194B3}"/>
+              </a:ext>
+            </a:extLst>
+          </p:cNvPr>
+          <p:cNvSpPr>
+            <a:spLocks noGrp="1"/>
+          </p:cNvSpPr>
+          <p:nvPr>
+            <p:ph idx="1"/>
+          </p:nvPr>
+        </p:nvSpPr>
+        <p:spPr/>
+        <p:txBody>
           <a:bodyPr>
             <a:normAutofit/>
           </a:bodyPr>
@@ -7254,7 +7326,7 @@
 </p:sld>
 </file>
 
-<file path=ppt/slides/slide32.xml><?xml version="1.0" encoding="utf-8"?>
+<file path=ppt/slides/slide33.xml><?xml version="1.0" encoding="utf-8"?>
 <p:sld xmlns:a="http://schemas.openxmlformats.org/drawingml/2006/main" xmlns:r="http://schemas.openxmlformats.org/officeDocument/2006/relationships" xmlns:p="http://schemas.openxmlformats.org/presentationml/2006/main">
   <p:cSld>
     <p:spTree>
@@ -7375,7 +7447,7 @@
 </p:sld>
 </file>
 
-<file path=ppt/slides/slide33.xml><?xml version="1.0" encoding="utf-8"?>
+<file path=ppt/slides/slide34.xml><?xml version="1.0" encoding="utf-8"?>
 <p:sld xmlns:a="http://schemas.openxmlformats.org/drawingml/2006/main" xmlns:r="http://schemas.openxmlformats.org/officeDocument/2006/relationships" xmlns:p="http://schemas.openxmlformats.org/presentationml/2006/main">
   <p:cSld>
     <p:spTree>
@@ -7476,7 +7548,7 @@
 </p:sld>
 </file>
 
-<file path=ppt/slides/slide34.xml><?xml version="1.0" encoding="utf-8"?>
+<file path=ppt/slides/slide35.xml><?xml version="1.0" encoding="utf-8"?>
 <p:sld xmlns:a="http://schemas.openxmlformats.org/drawingml/2006/main" xmlns:r="http://schemas.openxmlformats.org/officeDocument/2006/relationships" xmlns:p="http://schemas.openxmlformats.org/presentationml/2006/main">
   <p:cSld>
     <p:spTree>
@@ -7651,7 +7723,7 @@
 </p:sld>
 </file>
 
-<file path=ppt/slides/slide35.xml><?xml version="1.0" encoding="utf-8"?>
+<file path=ppt/slides/slide36.xml><?xml version="1.0" encoding="utf-8"?>
 <p:sld xmlns:a="http://schemas.openxmlformats.org/drawingml/2006/main" xmlns:r="http://schemas.openxmlformats.org/officeDocument/2006/relationships" xmlns:p="http://schemas.openxmlformats.org/presentationml/2006/main">
   <p:cSld>
     <p:spTree>
@@ -7752,7 +7824,7 @@
 </p:sld>
 </file>
 
-<file path=ppt/slides/slide36.xml><?xml version="1.0" encoding="utf-8"?>
+<file path=ppt/slides/slide37.xml><?xml version="1.0" encoding="utf-8"?>
 <p:sld xmlns:a="http://schemas.openxmlformats.org/drawingml/2006/main" xmlns:r="http://schemas.openxmlformats.org/officeDocument/2006/relationships" xmlns:p="http://schemas.openxmlformats.org/presentationml/2006/main">
   <p:cSld>
     <p:spTree>
@@ -7927,93 +7999,6 @@
 </p:sld>
 </file>
 
-<file path=ppt/slides/slide37.xml><?xml version="1.0" encoding="utf-8"?>
-<p:sld xmlns:a="http://schemas.openxmlformats.org/drawingml/2006/main" xmlns:r="http://schemas.openxmlformats.org/officeDocument/2006/relationships" xmlns:p="http://schemas.openxmlformats.org/presentationml/2006/main">
-  <p:cSld>
-    <p:spTree>
-      <p:nvGrpSpPr>
-        <p:cNvPr id="1" name=""/>
-        <p:cNvGrpSpPr/>
-        <p:nvPr/>
-      </p:nvGrpSpPr>
-      <p:grpSpPr>
-        <a:xfrm>
-          <a:off x="0" y="0"/>
-          <a:ext cx="0" cy="0"/>
-          <a:chOff x="0" y="0"/>
-          <a:chExt cx="0" cy="0"/>
-        </a:xfrm>
-      </p:grpSpPr>
-      <p:sp>
-        <p:nvSpPr>
-          <p:cNvPr id="2" name="Title 1">
-            <a:extLst>
-              <a:ext uri="{FF2B5EF4-FFF2-40B4-BE49-F238E27FC236}">
-                <a16:creationId xmlns:a16="http://schemas.microsoft.com/office/drawing/2014/main" id="{36ABB8D3-ACCE-D490-6D5A-6782ABDEB06D}"/>
-              </a:ext>
-            </a:extLst>
-          </p:cNvPr>
-          <p:cNvSpPr>
-            <a:spLocks noGrp="1"/>
-          </p:cNvSpPr>
-          <p:nvPr>
-            <p:ph type="title"/>
-          </p:nvPr>
-        </p:nvSpPr>
-        <p:spPr/>
-        <p:txBody>
-          <a:bodyPr/>
-          <a:lstStyle/>
-          <a:p>
-            <a:r>
-              <a:rPr lang="en-IN" dirty="0"/>
-              <a:t>Are we done?</a:t>
-            </a:r>
-          </a:p>
-        </p:txBody>
-      </p:sp>
-      <p:sp>
-        <p:nvSpPr>
-          <p:cNvPr id="3" name="Content Placeholder 2">
-            <a:extLst>
-              <a:ext uri="{FF2B5EF4-FFF2-40B4-BE49-F238E27FC236}">
-                <a16:creationId xmlns:a16="http://schemas.microsoft.com/office/drawing/2014/main" id="{469291C8-3B5C-8BAC-6085-1F3472DC5D18}"/>
-              </a:ext>
-            </a:extLst>
-          </p:cNvPr>
-          <p:cNvSpPr>
-            <a:spLocks noGrp="1"/>
-          </p:cNvSpPr>
-          <p:nvPr>
-            <p:ph idx="1"/>
-          </p:nvPr>
-        </p:nvSpPr>
-        <p:spPr/>
-        <p:txBody>
-          <a:bodyPr/>
-          <a:lstStyle/>
-          <a:p>
-            <a:r>
-              <a:rPr lang="en-US" dirty="0"/>
-              <a:t>Don’t forget the links between routers</a:t>
-            </a:r>
-            <a:endParaRPr lang="en-IN" dirty="0"/>
-          </a:p>
-        </p:txBody>
-      </p:sp>
-    </p:spTree>
-    <p:extLst>
-      <p:ext uri="{BB962C8B-B14F-4D97-AF65-F5344CB8AC3E}">
-        <p14:creationId xmlns:p14="http://schemas.microsoft.com/office/powerpoint/2010/main" val="2073212123"/>
-      </p:ext>
-    </p:extLst>
-  </p:cSld>
-  <p:clrMapOvr>
-    <a:masterClrMapping/>
-  </p:clrMapOvr>
-</p:sld>
-</file>
-
 <file path=ppt/slides/slide38.xml><?xml version="1.0" encoding="utf-8"?>
 <p:sld xmlns:a="http://schemas.openxmlformats.org/drawingml/2006/main" xmlns:r="http://schemas.openxmlformats.org/officeDocument/2006/relationships" xmlns:p="http://schemas.openxmlformats.org/presentationml/2006/main">
   <p:cSld>
@@ -8054,6 +8039,93 @@
           <a:p>
             <a:r>
               <a:rPr lang="en-IN" dirty="0"/>
+              <a:t>Are we done?</a:t>
+            </a:r>
+          </a:p>
+        </p:txBody>
+      </p:sp>
+      <p:sp>
+        <p:nvSpPr>
+          <p:cNvPr id="3" name="Content Placeholder 2">
+            <a:extLst>
+              <a:ext uri="{FF2B5EF4-FFF2-40B4-BE49-F238E27FC236}">
+                <a16:creationId xmlns:a16="http://schemas.microsoft.com/office/drawing/2014/main" id="{469291C8-3B5C-8BAC-6085-1F3472DC5D18}"/>
+              </a:ext>
+            </a:extLst>
+          </p:cNvPr>
+          <p:cNvSpPr>
+            <a:spLocks noGrp="1"/>
+          </p:cNvSpPr>
+          <p:nvPr>
+            <p:ph idx="1"/>
+          </p:nvPr>
+        </p:nvSpPr>
+        <p:spPr/>
+        <p:txBody>
+          <a:bodyPr/>
+          <a:lstStyle/>
+          <a:p>
+            <a:r>
+              <a:rPr lang="en-US" dirty="0"/>
+              <a:t>Don’t forget the links between routers</a:t>
+            </a:r>
+            <a:endParaRPr lang="en-IN" dirty="0"/>
+          </a:p>
+        </p:txBody>
+      </p:sp>
+    </p:spTree>
+    <p:extLst>
+      <p:ext uri="{BB962C8B-B14F-4D97-AF65-F5344CB8AC3E}">
+        <p14:creationId xmlns:p14="http://schemas.microsoft.com/office/powerpoint/2010/main" val="2073212123"/>
+      </p:ext>
+    </p:extLst>
+  </p:cSld>
+  <p:clrMapOvr>
+    <a:masterClrMapping/>
+  </p:clrMapOvr>
+</p:sld>
+</file>
+
+<file path=ppt/slides/slide39.xml><?xml version="1.0" encoding="utf-8"?>
+<p:sld xmlns:a="http://schemas.openxmlformats.org/drawingml/2006/main" xmlns:r="http://schemas.openxmlformats.org/officeDocument/2006/relationships" xmlns:p="http://schemas.openxmlformats.org/presentationml/2006/main">
+  <p:cSld>
+    <p:spTree>
+      <p:nvGrpSpPr>
+        <p:cNvPr id="1" name=""/>
+        <p:cNvGrpSpPr/>
+        <p:nvPr/>
+      </p:nvGrpSpPr>
+      <p:grpSpPr>
+        <a:xfrm>
+          <a:off x="0" y="0"/>
+          <a:ext cx="0" cy="0"/>
+          <a:chOff x="0" y="0"/>
+          <a:chExt cx="0" cy="0"/>
+        </a:xfrm>
+      </p:grpSpPr>
+      <p:sp>
+        <p:nvSpPr>
+          <p:cNvPr id="2" name="Title 1">
+            <a:extLst>
+              <a:ext uri="{FF2B5EF4-FFF2-40B4-BE49-F238E27FC236}">
+                <a16:creationId xmlns:a16="http://schemas.microsoft.com/office/drawing/2014/main" id="{36ABB8D3-ACCE-D490-6D5A-6782ABDEB06D}"/>
+              </a:ext>
+            </a:extLst>
+          </p:cNvPr>
+          <p:cNvSpPr>
+            <a:spLocks noGrp="1"/>
+          </p:cNvSpPr>
+          <p:nvPr>
+            <p:ph type="title"/>
+          </p:nvPr>
+        </p:nvSpPr>
+        <p:spPr/>
+        <p:txBody>
+          <a:bodyPr/>
+          <a:lstStyle/>
+          <a:p>
+            <a:r>
+              <a:rPr lang="en-IN" dirty="0"/>
               <a:t>New York to Boston Link</a:t>
             </a:r>
           </a:p>
@@ -8113,7 +8185,162 @@
 </p:sld>
 </file>
 
-<file path=ppt/slides/slide39.xml><?xml version="1.0" encoding="utf-8"?>
+<file path=ppt/slides/slide4.xml><?xml version="1.0" encoding="utf-8"?>
+<p:sld xmlns:a="http://schemas.openxmlformats.org/drawingml/2006/main" xmlns:r="http://schemas.openxmlformats.org/officeDocument/2006/relationships" xmlns:p="http://schemas.openxmlformats.org/presentationml/2006/main">
+  <p:cSld>
+    <p:spTree>
+      <p:nvGrpSpPr>
+        <p:cNvPr id="1" name=""/>
+        <p:cNvGrpSpPr/>
+        <p:nvPr/>
+      </p:nvGrpSpPr>
+      <p:grpSpPr>
+        <a:xfrm>
+          <a:off x="0" y="0"/>
+          <a:ext cx="0" cy="0"/>
+          <a:chOff x="0" y="0"/>
+          <a:chExt cx="0" cy="0"/>
+        </a:xfrm>
+      </p:grpSpPr>
+      <p:sp>
+        <p:nvSpPr>
+          <p:cNvPr id="2" name="Title 1">
+            <a:extLst>
+              <a:ext uri="{FF2B5EF4-FFF2-40B4-BE49-F238E27FC236}">
+                <a16:creationId xmlns:a16="http://schemas.microsoft.com/office/drawing/2014/main" id="{58D66B62-4DB1-65DD-BA62-8592416AB435}"/>
+              </a:ext>
+            </a:extLst>
+          </p:cNvPr>
+          <p:cNvSpPr>
+            <a:spLocks noGrp="1"/>
+          </p:cNvSpPr>
+          <p:nvPr>
+            <p:ph type="title"/>
+          </p:nvPr>
+        </p:nvSpPr>
+        <p:spPr/>
+        <p:txBody>
+          <a:bodyPr/>
+          <a:lstStyle/>
+          <a:p>
+            <a:r>
+              <a:rPr lang="en-IN" dirty="0"/>
+              <a:t>Subnet 1</a:t>
+            </a:r>
+          </a:p>
+        </p:txBody>
+      </p:sp>
+      <p:sp>
+        <p:nvSpPr>
+          <p:cNvPr id="3" name="Content Placeholder 2">
+            <a:extLst>
+              <a:ext uri="{FF2B5EF4-FFF2-40B4-BE49-F238E27FC236}">
+                <a16:creationId xmlns:a16="http://schemas.microsoft.com/office/drawing/2014/main" id="{B7F36157-0156-B226-FAAB-44BAB39EA2F9}"/>
+              </a:ext>
+            </a:extLst>
+          </p:cNvPr>
+          <p:cNvSpPr>
+            <a:spLocks noGrp="1"/>
+          </p:cNvSpPr>
+          <p:nvPr>
+            <p:ph idx="1"/>
+          </p:nvPr>
+        </p:nvSpPr>
+        <p:spPr/>
+        <p:txBody>
+          <a:bodyPr/>
+          <a:lstStyle/>
+          <a:p>
+            <a:r>
+              <a:rPr lang="en-US" dirty="0"/>
+              <a:t>Network Address of the subnet = 200.1.2.0</a:t>
+            </a:r>
+          </a:p>
+          <a:p>
+            <a:r>
+              <a:rPr lang="en-US" dirty="0"/>
+              <a:t>Total number of IP Addresses = 2</a:t>
+            </a:r>
+            <a:r>
+              <a:rPr lang="en-US" baseline="30000" dirty="0"/>
+              <a:t>6</a:t>
+            </a:r>
+            <a:r>
+              <a:rPr lang="en-US" dirty="0"/>
+              <a:t> = 64</a:t>
+            </a:r>
+          </a:p>
+          <a:p>
+            <a:r>
+              <a:rPr lang="en-US" dirty="0"/>
+              <a:t>Total number of hosts that can be configured = 64 – 2 = 62</a:t>
+            </a:r>
+          </a:p>
+          <a:p>
+            <a:r>
+              <a:rPr lang="en-US" dirty="0"/>
+              <a:t>Range of IP Addresses = [200.1.2.</a:t>
+            </a:r>
+            <a:r>
+              <a:rPr lang="en-US" dirty="0">
+                <a:solidFill>
+                  <a:srgbClr val="FF0000"/>
+                </a:solidFill>
+              </a:rPr>
+              <a:t>00</a:t>
+            </a:r>
+            <a:r>
+              <a:rPr lang="en-US" dirty="0"/>
+              <a:t>000000, 200.1.2.</a:t>
+            </a:r>
+            <a:r>
+              <a:rPr lang="en-US" dirty="0">
+                <a:solidFill>
+                  <a:srgbClr val="FF0000"/>
+                </a:solidFill>
+              </a:rPr>
+              <a:t>00</a:t>
+            </a:r>
+            <a:r>
+              <a:rPr lang="en-US" dirty="0"/>
+              <a:t>111111] = [200.1.2.0, 200.1.2.63]</a:t>
+            </a:r>
+          </a:p>
+          <a:p>
+            <a:r>
+              <a:rPr lang="en-US" dirty="0"/>
+              <a:t>Broadcast Address = 200.1.2.</a:t>
+            </a:r>
+            <a:r>
+              <a:rPr lang="en-US" dirty="0">
+                <a:solidFill>
+                  <a:srgbClr val="FF0000"/>
+                </a:solidFill>
+              </a:rPr>
+              <a:t>00</a:t>
+            </a:r>
+            <a:r>
+              <a:rPr lang="en-US" dirty="0"/>
+              <a:t>111111 = 200.1.2.63</a:t>
+            </a:r>
+            <a:endParaRPr lang="en-IN" dirty="0"/>
+          </a:p>
+        </p:txBody>
+      </p:sp>
+    </p:spTree>
+    <p:extLst>
+      <p:ext uri="{BB962C8B-B14F-4D97-AF65-F5344CB8AC3E}">
+        <p14:creationId xmlns:p14="http://schemas.microsoft.com/office/powerpoint/2010/main" val="3292014602"/>
+      </p:ext>
+    </p:extLst>
+  </p:cSld>
+  <p:clrMapOvr>
+    <a:masterClrMapping/>
+  </p:clrMapOvr>
+</p:sld>
+</file>
+
+<file path=ppt/slides/slide40.xml><?xml version="1.0" encoding="utf-8"?>
 <p:sld xmlns:a="http://schemas.openxmlformats.org/drawingml/2006/main" xmlns:r="http://schemas.openxmlformats.org/officeDocument/2006/relationships" xmlns:p="http://schemas.openxmlformats.org/presentationml/2006/main">
   <p:cSld>
     <p:spTree>
@@ -8274,7 +8501,7 @@
 </p:sld>
 </file>
 
-<file path=ppt/slides/slide4.xml><?xml version="1.0" encoding="utf-8"?>
+<file path=ppt/slides/slide41.xml><?xml version="1.0" encoding="utf-8"?>
 <p:sld xmlns:a="http://schemas.openxmlformats.org/drawingml/2006/main" xmlns:r="http://schemas.openxmlformats.org/officeDocument/2006/relationships" xmlns:p="http://schemas.openxmlformats.org/presentationml/2006/main">
   <p:cSld>
     <p:spTree>
@@ -8296,161 +8523,6 @@
           <p:cNvPr id="2" name="Title 1">
             <a:extLst>
               <a:ext uri="{FF2B5EF4-FFF2-40B4-BE49-F238E27FC236}">
-                <a16:creationId xmlns:a16="http://schemas.microsoft.com/office/drawing/2014/main" id="{58D66B62-4DB1-65DD-BA62-8592416AB435}"/>
-              </a:ext>
-            </a:extLst>
-          </p:cNvPr>
-          <p:cNvSpPr>
-            <a:spLocks noGrp="1"/>
-          </p:cNvSpPr>
-          <p:nvPr>
-            <p:ph type="title"/>
-          </p:nvPr>
-        </p:nvSpPr>
-        <p:spPr/>
-        <p:txBody>
-          <a:bodyPr/>
-          <a:lstStyle/>
-          <a:p>
-            <a:r>
-              <a:rPr lang="en-IN" dirty="0"/>
-              <a:t>Subnet 1</a:t>
-            </a:r>
-          </a:p>
-        </p:txBody>
-      </p:sp>
-      <p:sp>
-        <p:nvSpPr>
-          <p:cNvPr id="3" name="Content Placeholder 2">
-            <a:extLst>
-              <a:ext uri="{FF2B5EF4-FFF2-40B4-BE49-F238E27FC236}">
-                <a16:creationId xmlns:a16="http://schemas.microsoft.com/office/drawing/2014/main" id="{B7F36157-0156-B226-FAAB-44BAB39EA2F9}"/>
-              </a:ext>
-            </a:extLst>
-          </p:cNvPr>
-          <p:cNvSpPr>
-            <a:spLocks noGrp="1"/>
-          </p:cNvSpPr>
-          <p:nvPr>
-            <p:ph idx="1"/>
-          </p:nvPr>
-        </p:nvSpPr>
-        <p:spPr/>
-        <p:txBody>
-          <a:bodyPr/>
-          <a:lstStyle/>
-          <a:p>
-            <a:r>
-              <a:rPr lang="en-US" dirty="0"/>
-              <a:t>Network Address of the subnet = 200.1.2.0</a:t>
-            </a:r>
-          </a:p>
-          <a:p>
-            <a:r>
-              <a:rPr lang="en-US" dirty="0"/>
-              <a:t>Total number of IP Addresses = 2</a:t>
-            </a:r>
-            <a:r>
-              <a:rPr lang="en-US" baseline="30000" dirty="0"/>
-              <a:t>6</a:t>
-            </a:r>
-            <a:r>
-              <a:rPr lang="en-US" dirty="0"/>
-              <a:t> = 64</a:t>
-            </a:r>
-          </a:p>
-          <a:p>
-            <a:r>
-              <a:rPr lang="en-US" dirty="0"/>
-              <a:t>Total number of hosts that can be configured = 64 – 2 = 62</a:t>
-            </a:r>
-          </a:p>
-          <a:p>
-            <a:r>
-              <a:rPr lang="en-US" dirty="0"/>
-              <a:t>Range of IP Addresses = [200.1.2.</a:t>
-            </a:r>
-            <a:r>
-              <a:rPr lang="en-US" dirty="0">
-                <a:solidFill>
-                  <a:srgbClr val="FF0000"/>
-                </a:solidFill>
-              </a:rPr>
-              <a:t>00</a:t>
-            </a:r>
-            <a:r>
-              <a:rPr lang="en-US" dirty="0"/>
-              <a:t>000000, 200.1.2.</a:t>
-            </a:r>
-            <a:r>
-              <a:rPr lang="en-US" dirty="0">
-                <a:solidFill>
-                  <a:srgbClr val="FF0000"/>
-                </a:solidFill>
-              </a:rPr>
-              <a:t>00</a:t>
-            </a:r>
-            <a:r>
-              <a:rPr lang="en-US" dirty="0"/>
-              <a:t>111111] = [200.1.2.0, 200.1.2.63]</a:t>
-            </a:r>
-          </a:p>
-          <a:p>
-            <a:r>
-              <a:rPr lang="en-US" dirty="0"/>
-              <a:t>Broadcast Address = 200.1.2.</a:t>
-            </a:r>
-            <a:r>
-              <a:rPr lang="en-US" dirty="0">
-                <a:solidFill>
-                  <a:srgbClr val="FF0000"/>
-                </a:solidFill>
-              </a:rPr>
-              <a:t>00</a:t>
-            </a:r>
-            <a:r>
-              <a:rPr lang="en-US" dirty="0"/>
-              <a:t>111111 = 200.1.2.63</a:t>
-            </a:r>
-            <a:endParaRPr lang="en-IN" dirty="0"/>
-          </a:p>
-        </p:txBody>
-      </p:sp>
-    </p:spTree>
-    <p:extLst>
-      <p:ext uri="{BB962C8B-B14F-4D97-AF65-F5344CB8AC3E}">
-        <p14:creationId xmlns:p14="http://schemas.microsoft.com/office/powerpoint/2010/main" val="3292014602"/>
-      </p:ext>
-    </p:extLst>
-  </p:cSld>
-  <p:clrMapOvr>
-    <a:masterClrMapping/>
-  </p:clrMapOvr>
-</p:sld>
-</file>
-
-<file path=ppt/slides/slide40.xml><?xml version="1.0" encoding="utf-8"?>
-<p:sld xmlns:a="http://schemas.openxmlformats.org/drawingml/2006/main" xmlns:r="http://schemas.openxmlformats.org/officeDocument/2006/relationships" xmlns:p="http://schemas.openxmlformats.org/presentationml/2006/main">
-  <p:cSld>
-    <p:spTree>
-      <p:nvGrpSpPr>
-        <p:cNvPr id="1" name=""/>
-        <p:cNvGrpSpPr/>
-        <p:nvPr/>
-      </p:nvGrpSpPr>
-      <p:grpSpPr>
-        <a:xfrm>
-          <a:off x="0" y="0"/>
-          <a:ext cx="0" cy="0"/>
-          <a:chOff x="0" y="0"/>
-          <a:chExt cx="0" cy="0"/>
-        </a:xfrm>
-      </p:grpSpPr>
-      <p:sp>
-        <p:nvSpPr>
-          <p:cNvPr id="2" name="Title 1">
-            <a:extLst>
-              <a:ext uri="{FF2B5EF4-FFF2-40B4-BE49-F238E27FC236}">
                 <a16:creationId xmlns:a16="http://schemas.microsoft.com/office/drawing/2014/main" id="{18A20653-9248-C360-4C89-48CFA4AD9892}"/>
               </a:ext>
             </a:extLst>
@@ -8471,31 +8543,6 @@
               <a:rPr lang="en-IN" dirty="0"/>
               <a:t>Summary</a:t>
             </a:r>
-          </a:p>
-        </p:txBody>
-      </p:sp>
-      <p:sp>
-        <p:nvSpPr>
-          <p:cNvPr id="3" name="Content Placeholder 2">
-            <a:extLst>
-              <a:ext uri="{FF2B5EF4-FFF2-40B4-BE49-F238E27FC236}">
-                <a16:creationId xmlns:a16="http://schemas.microsoft.com/office/drawing/2014/main" id="{215F37CF-0D73-0BD9-4224-0565FA1107D3}"/>
-              </a:ext>
-            </a:extLst>
-          </p:cNvPr>
-          <p:cNvSpPr>
-            <a:spLocks noGrp="1"/>
-          </p:cNvSpPr>
-          <p:nvPr>
-            <p:ph idx="1"/>
-          </p:nvPr>
-        </p:nvSpPr>
-        <p:spPr/>
-        <p:txBody>
-          <a:bodyPr/>
-          <a:lstStyle/>
-          <a:p>
-            <a:endParaRPr lang="en-IN"/>
           </a:p>
         </p:txBody>
       </p:sp>
@@ -8542,7 +8589,7 @@
 </p:sld>
 </file>
 
-<file path=ppt/slides/slide41.xml><?xml version="1.0" encoding="utf-8"?>
+<file path=ppt/slides/slide42.xml><?xml version="1.0" encoding="utf-8"?>
 <p:sld xmlns:a="http://schemas.openxmlformats.org/drawingml/2006/main" xmlns:r="http://schemas.openxmlformats.org/officeDocument/2006/relationships" xmlns:p="http://schemas.openxmlformats.org/presentationml/2006/main">
   <p:cSld>
     <p:spTree>
@@ -8584,31 +8631,6 @@
               <a:rPr lang="en-IN" dirty="0"/>
               <a:t>Original Network Diagram</a:t>
             </a:r>
-          </a:p>
-        </p:txBody>
-      </p:sp>
-      <p:sp>
-        <p:nvSpPr>
-          <p:cNvPr id="3" name="Content Placeholder 2">
-            <a:extLst>
-              <a:ext uri="{FF2B5EF4-FFF2-40B4-BE49-F238E27FC236}">
-                <a16:creationId xmlns:a16="http://schemas.microsoft.com/office/drawing/2014/main" id="{432F422E-D6C5-9E93-94F6-7AB762F6A609}"/>
-              </a:ext>
-            </a:extLst>
-          </p:cNvPr>
-          <p:cNvSpPr>
-            <a:spLocks noGrp="1"/>
-          </p:cNvSpPr>
-          <p:nvPr>
-            <p:ph idx="1"/>
-          </p:nvPr>
-        </p:nvSpPr>
-        <p:spPr/>
-        <p:txBody>
-          <a:bodyPr/>
-          <a:lstStyle/>
-          <a:p>
-            <a:endParaRPr lang="en-IN"/>
           </a:p>
         </p:txBody>
       </p:sp>
@@ -8655,7 +8677,7 @@
 </p:sld>
 </file>
 
-<file path=ppt/slides/slide42.xml><?xml version="1.0" encoding="utf-8"?>
+<file path=ppt/slides/slide43.xml><?xml version="1.0" encoding="utf-8"?>
 <p:sld xmlns:a="http://schemas.openxmlformats.org/drawingml/2006/main" xmlns:r="http://schemas.openxmlformats.org/officeDocument/2006/relationships" xmlns:p="http://schemas.openxmlformats.org/presentationml/2006/main">
   <p:cSld>
     <p:spTree>
@@ -8697,31 +8719,6 @@
               <a:rPr lang="en-IN" dirty="0"/>
               <a:t>Diagram with Network Topology</a:t>
             </a:r>
-          </a:p>
-        </p:txBody>
-      </p:sp>
-      <p:sp>
-        <p:nvSpPr>
-          <p:cNvPr id="3" name="Content Placeholder 2">
-            <a:extLst>
-              <a:ext uri="{FF2B5EF4-FFF2-40B4-BE49-F238E27FC236}">
-                <a16:creationId xmlns:a16="http://schemas.microsoft.com/office/drawing/2014/main" id="{992324B7-163E-0AF5-F96C-8ED6DAC1D1DC}"/>
-              </a:ext>
-            </a:extLst>
-          </p:cNvPr>
-          <p:cNvSpPr>
-            <a:spLocks noGrp="1"/>
-          </p:cNvSpPr>
-          <p:nvPr>
-            <p:ph idx="1"/>
-          </p:nvPr>
-        </p:nvSpPr>
-        <p:spPr/>
-        <p:txBody>
-          <a:bodyPr/>
-          <a:lstStyle/>
-          <a:p>
-            <a:endParaRPr lang="en-IN"/>
           </a:p>
         </p:txBody>
       </p:sp>
@@ -8768,7 +8765,7 @@
 </p:sld>
 </file>
 
-<file path=ppt/slides/slide43.xml><?xml version="1.0" encoding="utf-8"?>
+<file path=ppt/slides/slide44.xml><?xml version="1.0" encoding="utf-8"?>
 <p:sld xmlns:a="http://schemas.openxmlformats.org/drawingml/2006/main" xmlns:r="http://schemas.openxmlformats.org/officeDocument/2006/relationships" xmlns:p="http://schemas.openxmlformats.org/presentationml/2006/main">
   <p:cSld>
     <p:spTree>
@@ -9486,9 +9483,16 @@
             <p:ph type="title"/>
           </p:nvPr>
         </p:nvSpPr>
-        <p:spPr/>
-        <p:txBody>
-          <a:bodyPr/>
+        <p:spPr>
+          <a:xfrm>
+            <a:off x="838200" y="365125"/>
+            <a:ext cx="10515600" cy="605259"/>
+          </a:xfrm>
+        </p:spPr>
+        <p:txBody>
+          <a:bodyPr>
+            <a:normAutofit fontScale="90000"/>
+          </a:bodyPr>
           <a:lstStyle/>
           <a:p>
             <a:r>
@@ -9514,109 +9518,117 @@
             <p:ph idx="1"/>
           </p:nvPr>
         </p:nvSpPr>
-        <p:spPr/>
+        <p:spPr>
+          <a:xfrm>
+            <a:off x="838200" y="970384"/>
+            <a:ext cx="10515600" cy="5522491"/>
+          </a:xfrm>
+        </p:spPr>
         <p:txBody>
           <a:bodyPr>
-            <a:normAutofit fontScale="47500" lnSpcReduction="20000"/>
+            <a:noAutofit/>
           </a:bodyPr>
           <a:lstStyle/>
           <a:p>
             <a:r>
-              <a:rPr lang="en-US" dirty="0"/>
+              <a:rPr lang="en-US" sz="1600" dirty="0"/>
               <a:t>Our network address is 192.168.5.85 /24.</a:t>
             </a:r>
           </a:p>
           <a:p>
             <a:r>
-              <a:rPr lang="en-US" dirty="0"/>
+              <a:rPr lang="en-US" sz="1600" dirty="0"/>
               <a:t>We want to create 5 subnets. So, 3 bits from the host id portion will be used for the subnet id. So, 5 bits will be left for the host id.</a:t>
             </a:r>
           </a:p>
           <a:p>
-            <a:endParaRPr lang="en-US" dirty="0"/>
-          </a:p>
-          <a:p>
-            <a:r>
-              <a:rPr lang="en-US" dirty="0"/>
+            <a:endParaRPr lang="en-US" sz="1600" dirty="0"/>
+          </a:p>
+          <a:p>
+            <a:r>
+              <a:rPr lang="en-US" sz="1600" dirty="0"/>
               <a:t>First subnet id in binary will be: 000</a:t>
             </a:r>
           </a:p>
           <a:p>
             <a:r>
-              <a:rPr lang="en-US" dirty="0"/>
+              <a:rPr lang="en-US" sz="1600" dirty="0"/>
               <a:t>First address possible in the first subnet will be: 00000. But this is not the first host address, as this is reserved as the first subnet address.</a:t>
             </a:r>
           </a:p>
           <a:p>
             <a:r>
-              <a:rPr lang="en-US" dirty="0"/>
+              <a:rPr lang="en-US" sz="1600" dirty="0"/>
               <a:t>So, the first host address within the first subnet will be 00001.</a:t>
             </a:r>
           </a:p>
           <a:p>
-            <a:endParaRPr lang="en-US" dirty="0"/>
-          </a:p>
-          <a:p>
-            <a:r>
-              <a:rPr lang="en-US" dirty="0"/>
+            <a:pPr marL="0" indent="0">
+              <a:buNone/>
+            </a:pPr>
+            <a:endParaRPr lang="en-US" sz="1600" dirty="0"/>
+          </a:p>
+          <a:p>
+            <a:r>
+              <a:rPr lang="en-US" sz="1600" dirty="0"/>
               <a:t>The first host address within the first subnet will be:</a:t>
             </a:r>
           </a:p>
           <a:p>
             <a:r>
-              <a:rPr lang="en-US" dirty="0"/>
+              <a:rPr lang="en-US" sz="1600" dirty="0"/>
               <a:t>192.168.5.(000 00001) to the base 2</a:t>
             </a:r>
           </a:p>
           <a:p>
             <a:r>
-              <a:rPr lang="en-US" dirty="0"/>
+              <a:rPr lang="en-US" sz="1600" dirty="0"/>
               <a:t>192.168.5.1 - First host address in the first subnet</a:t>
             </a:r>
           </a:p>
           <a:p>
             <a:r>
-              <a:rPr lang="en-US" dirty="0"/>
+              <a:rPr lang="en-US" sz="1600" dirty="0"/>
               <a:t>The second host address within the second subnet will be:</a:t>
             </a:r>
           </a:p>
           <a:p>
             <a:r>
-              <a:rPr lang="en-US" dirty="0"/>
+              <a:rPr lang="en-US" sz="1600" dirty="0"/>
               <a:t>192.168.5.(001 00010) to the base 2</a:t>
             </a:r>
           </a:p>
           <a:p>
             <a:r>
-              <a:rPr lang="en-US" dirty="0"/>
+              <a:rPr lang="en-US" sz="1600" dirty="0"/>
               <a:t>192.168.5.34</a:t>
             </a:r>
           </a:p>
           <a:p>
-            <a:endParaRPr lang="en-US" dirty="0"/>
-          </a:p>
-          <a:p>
-            <a:r>
-              <a:rPr lang="en-US" dirty="0"/>
+            <a:endParaRPr lang="en-US" sz="1600" dirty="0"/>
+          </a:p>
+          <a:p>
+            <a:r>
+              <a:rPr lang="en-US" sz="1600" dirty="0"/>
               <a:t>Number of hosts per subnet = 2</a:t>
             </a:r>
             <a:r>
-              <a:rPr lang="en-US" baseline="30000" dirty="0"/>
+              <a:rPr lang="en-US" sz="1600" baseline="30000" dirty="0"/>
               <a:t>h</a:t>
             </a:r>
             <a:r>
-              <a:rPr lang="en-US" dirty="0"/>
+              <a:rPr lang="en-US" sz="1600" dirty="0"/>
               <a:t> – 2 = 2</a:t>
             </a:r>
             <a:r>
-              <a:rPr lang="en-US" sz="2700" baseline="30000" dirty="0"/>
+              <a:rPr lang="en-US" sz="1600" baseline="30000" dirty="0"/>
               <a:t>5</a:t>
             </a:r>
             <a:r>
-              <a:rPr lang="en-US" dirty="0"/>
+              <a:rPr lang="en-US" sz="1600" dirty="0"/>
               <a:t> – 2 = 30</a:t>
             </a:r>
-            <a:endParaRPr lang="en-IN" dirty="0"/>
+            <a:endParaRPr lang="en-IN" sz="1600" dirty="0"/>
           </a:p>
         </p:txBody>
       </p:sp>
